--- a/figures/研究思路.pptx
+++ b/figures/研究思路.pptx
@@ -6,6 +6,7 @@
   </p:sldMasterIdLst>
   <p:sldIdLst>
     <p:sldId id="256" r:id="rId2"/>
+    <p:sldId id="257" r:id="rId3"/>
   </p:sldIdLst>
   <p:sldSz cx="12192000" cy="6858000"/>
   <p:notesSz cx="6858000" cy="9144000"/>
@@ -104,6 +105,11 @@
       </a:defRPr>
     </a:lvl9pPr>
   </p:defaultTextStyle>
+  <p:extLst>
+    <p:ext uri="{EFAFB233-063F-42B5-8137-9DF3F51BA10A}">
+      <p15:sldGuideLst xmlns:p15="http://schemas.microsoft.com/office/powerpoint/2012/main"/>
+    </p:ext>
+  </p:extLst>
 </p:presentation>
 </file>
 
@@ -238,7 +244,7 @@
           <a:p>
             <a:fld id="{A070DDB1-2886-4C1A-9E42-32B803E5FD4A}" type="datetimeFigureOut">
               <a:rPr lang="en-US" smtClean="0"/>
-              <a:t>2/5/2017</a:t>
+              <a:t>2/15/2017</a:t>
             </a:fld>
             <a:endParaRPr lang="en-US"/>
           </a:p>
@@ -408,7 +414,7 @@
           <a:p>
             <a:fld id="{A070DDB1-2886-4C1A-9E42-32B803E5FD4A}" type="datetimeFigureOut">
               <a:rPr lang="en-US" smtClean="0"/>
-              <a:t>2/5/2017</a:t>
+              <a:t>2/15/2017</a:t>
             </a:fld>
             <a:endParaRPr lang="en-US"/>
           </a:p>
@@ -588,7 +594,7 @@
           <a:p>
             <a:fld id="{A070DDB1-2886-4C1A-9E42-32B803E5FD4A}" type="datetimeFigureOut">
               <a:rPr lang="en-US" smtClean="0"/>
-              <a:t>2/5/2017</a:t>
+              <a:t>2/15/2017</a:t>
             </a:fld>
             <a:endParaRPr lang="en-US"/>
           </a:p>
@@ -758,7 +764,7 @@
           <a:p>
             <a:fld id="{A070DDB1-2886-4C1A-9E42-32B803E5FD4A}" type="datetimeFigureOut">
               <a:rPr lang="en-US" smtClean="0"/>
-              <a:t>2/5/2017</a:t>
+              <a:t>2/15/2017</a:t>
             </a:fld>
             <a:endParaRPr lang="en-US"/>
           </a:p>
@@ -1004,7 +1010,7 @@
           <a:p>
             <a:fld id="{A070DDB1-2886-4C1A-9E42-32B803E5FD4A}" type="datetimeFigureOut">
               <a:rPr lang="en-US" smtClean="0"/>
-              <a:t>2/5/2017</a:t>
+              <a:t>2/15/2017</a:t>
             </a:fld>
             <a:endParaRPr lang="en-US"/>
           </a:p>
@@ -1236,7 +1242,7 @@
           <a:p>
             <a:fld id="{A070DDB1-2886-4C1A-9E42-32B803E5FD4A}" type="datetimeFigureOut">
               <a:rPr lang="en-US" smtClean="0"/>
-              <a:t>2/5/2017</a:t>
+              <a:t>2/15/2017</a:t>
             </a:fld>
             <a:endParaRPr lang="en-US"/>
           </a:p>
@@ -1603,7 +1609,7 @@
           <a:p>
             <a:fld id="{A070DDB1-2886-4C1A-9E42-32B803E5FD4A}" type="datetimeFigureOut">
               <a:rPr lang="en-US" smtClean="0"/>
-              <a:t>2/5/2017</a:t>
+              <a:t>2/15/2017</a:t>
             </a:fld>
             <a:endParaRPr lang="en-US"/>
           </a:p>
@@ -1721,7 +1727,7 @@
           <a:p>
             <a:fld id="{A070DDB1-2886-4C1A-9E42-32B803E5FD4A}" type="datetimeFigureOut">
               <a:rPr lang="en-US" smtClean="0"/>
-              <a:t>2/5/2017</a:t>
+              <a:t>2/15/2017</a:t>
             </a:fld>
             <a:endParaRPr lang="en-US"/>
           </a:p>
@@ -1816,7 +1822,7 @@
           <a:p>
             <a:fld id="{A070DDB1-2886-4C1A-9E42-32B803E5FD4A}" type="datetimeFigureOut">
               <a:rPr lang="en-US" smtClean="0"/>
-              <a:t>2/5/2017</a:t>
+              <a:t>2/15/2017</a:t>
             </a:fld>
             <a:endParaRPr lang="en-US"/>
           </a:p>
@@ -2093,7 +2099,7 @@
           <a:p>
             <a:fld id="{A070DDB1-2886-4C1A-9E42-32B803E5FD4A}" type="datetimeFigureOut">
               <a:rPr lang="en-US" smtClean="0"/>
-              <a:t>2/5/2017</a:t>
+              <a:t>2/15/2017</a:t>
             </a:fld>
             <a:endParaRPr lang="en-US"/>
           </a:p>
@@ -2346,7 +2352,7 @@
           <a:p>
             <a:fld id="{A070DDB1-2886-4C1A-9E42-32B803E5FD4A}" type="datetimeFigureOut">
               <a:rPr lang="en-US" smtClean="0"/>
-              <a:t>2/5/2017</a:t>
+              <a:t>2/15/2017</a:t>
             </a:fld>
             <a:endParaRPr lang="en-US"/>
           </a:p>
@@ -2559,7 +2565,7 @@
           <a:p>
             <a:fld id="{A070DDB1-2886-4C1A-9E42-32B803E5FD4A}" type="datetimeFigureOut">
               <a:rPr lang="en-US" smtClean="0"/>
-              <a:t>2/5/2017</a:t>
+              <a:t>2/15/2017</a:t>
             </a:fld>
             <a:endParaRPr lang="en-US"/>
           </a:p>
@@ -5568,7 +5574,6 @@
               <a:rPr lang="zh-CN" altLang="en-US" dirty="0"/>
               <a:t>调试进度管理器</a:t>
             </a:r>
-            <a:endParaRPr lang="zh-CN" altLang="en-US" dirty="0"/>
           </a:p>
         </p:txBody>
       </p:sp>
@@ -6828,6 +6833,2705 @@
     <p:extLst>
       <p:ext uri="{BB962C8B-B14F-4D97-AF65-F5344CB8AC3E}">
         <p14:creationId xmlns:p14="http://schemas.microsoft.com/office/powerpoint/2010/main" val="1936474327"/>
+      </p:ext>
+    </p:extLst>
+  </p:cSld>
+  <p:clrMapOvr>
+    <a:masterClrMapping/>
+  </p:clrMapOvr>
+</p:sld>
+</file>
+
+<file path=ppt/slides/slide2.xml><?xml version="1.0" encoding="utf-8"?>
+<p:sld xmlns:a="http://schemas.openxmlformats.org/drawingml/2006/main" xmlns:r="http://schemas.openxmlformats.org/officeDocument/2006/relationships" xmlns:p="http://schemas.openxmlformats.org/presentationml/2006/main">
+  <p:cSld>
+    <p:spTree>
+      <p:nvGrpSpPr>
+        <p:cNvPr id="1" name=""/>
+        <p:cNvGrpSpPr/>
+        <p:nvPr/>
+      </p:nvGrpSpPr>
+      <p:grpSpPr>
+        <a:xfrm>
+          <a:off x="0" y="0"/>
+          <a:ext cx="0" cy="0"/>
+          <a:chOff x="0" y="0"/>
+          <a:chExt cx="0" cy="0"/>
+        </a:xfrm>
+      </p:grpSpPr>
+      <p:sp>
+        <p:nvSpPr>
+          <p:cNvPr id="2" name="矩形 13"/>
+          <p:cNvSpPr/>
+          <p:nvPr/>
+        </p:nvSpPr>
+        <p:spPr>
+          <a:xfrm>
+            <a:off x="1139823" y="2608505"/>
+            <a:ext cx="1120945" cy="409476"/>
+          </a:xfrm>
+          <a:prstGeom prst="rect">
+            <a:avLst/>
+          </a:prstGeom>
+          <a:solidFill>
+            <a:schemeClr val="bg1"/>
+          </a:solidFill>
+          <a:ln>
+            <a:solidFill>
+              <a:schemeClr val="tx1"/>
+            </a:solidFill>
+          </a:ln>
+        </p:spPr>
+        <p:style>
+          <a:lnRef idx="1">
+            <a:schemeClr val="accent3"/>
+          </a:lnRef>
+          <a:fillRef idx="2">
+            <a:schemeClr val="accent3"/>
+          </a:fillRef>
+          <a:effectRef idx="1">
+            <a:schemeClr val="accent3"/>
+          </a:effectRef>
+          <a:fontRef idx="minor">
+            <a:schemeClr val="dk1"/>
+          </a:fontRef>
+        </p:style>
+        <p:txBody>
+          <a:bodyPr rtlCol="0" anchor="ctr"/>
+          <a:lstStyle>
+            <a:defPPr>
+              <a:defRPr lang="en-US"/>
+            </a:defPPr>
+            <a:lvl1pPr marL="0" algn="l" defTabSz="914400" rtl="0" eaLnBrk="1" latinLnBrk="0" hangingPunct="1">
+              <a:defRPr sz="1800" kern="1200">
+                <a:solidFill>
+                  <a:schemeClr val="dk1"/>
+                </a:solidFill>
+                <a:latin typeface="+mn-lt"/>
+                <a:ea typeface="+mn-ea"/>
+                <a:cs typeface="+mn-cs"/>
+              </a:defRPr>
+            </a:lvl1pPr>
+            <a:lvl2pPr marL="457200" algn="l" defTabSz="914400" rtl="0" eaLnBrk="1" latinLnBrk="0" hangingPunct="1">
+              <a:defRPr sz="1800" kern="1200">
+                <a:solidFill>
+                  <a:schemeClr val="dk1"/>
+                </a:solidFill>
+                <a:latin typeface="+mn-lt"/>
+                <a:ea typeface="+mn-ea"/>
+                <a:cs typeface="+mn-cs"/>
+              </a:defRPr>
+            </a:lvl2pPr>
+            <a:lvl3pPr marL="914400" algn="l" defTabSz="914400" rtl="0" eaLnBrk="1" latinLnBrk="0" hangingPunct="1">
+              <a:defRPr sz="1800" kern="1200">
+                <a:solidFill>
+                  <a:schemeClr val="dk1"/>
+                </a:solidFill>
+                <a:latin typeface="+mn-lt"/>
+                <a:ea typeface="+mn-ea"/>
+                <a:cs typeface="+mn-cs"/>
+              </a:defRPr>
+            </a:lvl3pPr>
+            <a:lvl4pPr marL="1371600" algn="l" defTabSz="914400" rtl="0" eaLnBrk="1" latinLnBrk="0" hangingPunct="1">
+              <a:defRPr sz="1800" kern="1200">
+                <a:solidFill>
+                  <a:schemeClr val="dk1"/>
+                </a:solidFill>
+                <a:latin typeface="+mn-lt"/>
+                <a:ea typeface="+mn-ea"/>
+                <a:cs typeface="+mn-cs"/>
+              </a:defRPr>
+            </a:lvl4pPr>
+            <a:lvl5pPr marL="1828800" algn="l" defTabSz="914400" rtl="0" eaLnBrk="1" latinLnBrk="0" hangingPunct="1">
+              <a:defRPr sz="1800" kern="1200">
+                <a:solidFill>
+                  <a:schemeClr val="dk1"/>
+                </a:solidFill>
+                <a:latin typeface="+mn-lt"/>
+                <a:ea typeface="+mn-ea"/>
+                <a:cs typeface="+mn-cs"/>
+              </a:defRPr>
+            </a:lvl5pPr>
+            <a:lvl6pPr marL="2286000" algn="l" defTabSz="914400" rtl="0" eaLnBrk="1" latinLnBrk="0" hangingPunct="1">
+              <a:defRPr sz="1800" kern="1200">
+                <a:solidFill>
+                  <a:schemeClr val="dk1"/>
+                </a:solidFill>
+                <a:latin typeface="+mn-lt"/>
+                <a:ea typeface="+mn-ea"/>
+                <a:cs typeface="+mn-cs"/>
+              </a:defRPr>
+            </a:lvl6pPr>
+            <a:lvl7pPr marL="2743200" algn="l" defTabSz="914400" rtl="0" eaLnBrk="1" latinLnBrk="0" hangingPunct="1">
+              <a:defRPr sz="1800" kern="1200">
+                <a:solidFill>
+                  <a:schemeClr val="dk1"/>
+                </a:solidFill>
+                <a:latin typeface="+mn-lt"/>
+                <a:ea typeface="+mn-ea"/>
+                <a:cs typeface="+mn-cs"/>
+              </a:defRPr>
+            </a:lvl7pPr>
+            <a:lvl8pPr marL="3200400" algn="l" defTabSz="914400" rtl="0" eaLnBrk="1" latinLnBrk="0" hangingPunct="1">
+              <a:defRPr sz="1800" kern="1200">
+                <a:solidFill>
+                  <a:schemeClr val="dk1"/>
+                </a:solidFill>
+                <a:latin typeface="+mn-lt"/>
+                <a:ea typeface="+mn-ea"/>
+                <a:cs typeface="+mn-cs"/>
+              </a:defRPr>
+            </a:lvl8pPr>
+            <a:lvl9pPr marL="3657600" algn="l" defTabSz="914400" rtl="0" eaLnBrk="1" latinLnBrk="0" hangingPunct="1">
+              <a:defRPr sz="1800" kern="1200">
+                <a:solidFill>
+                  <a:schemeClr val="dk1"/>
+                </a:solidFill>
+                <a:latin typeface="+mn-lt"/>
+                <a:ea typeface="+mn-ea"/>
+                <a:cs typeface="+mn-cs"/>
+              </a:defRPr>
+            </a:lvl9pPr>
+          </a:lstStyle>
+          <a:p>
+            <a:pPr algn="ctr"/>
+            <a:r>
+              <a:rPr lang="zh-CN" altLang="en-US" dirty="0" smtClean="0">
+                <a:solidFill>
+                  <a:sysClr val="windowText" lastClr="000000"/>
+                </a:solidFill>
+              </a:rPr>
+              <a:t>测试集</a:t>
+            </a:r>
+            <a:endParaRPr lang="zh-CN" altLang="en-US" dirty="0">
+              <a:solidFill>
+                <a:sysClr val="windowText" lastClr="000000"/>
+              </a:solidFill>
+            </a:endParaRPr>
+          </a:p>
+        </p:txBody>
+      </p:sp>
+      <p:sp>
+        <p:nvSpPr>
+          <p:cNvPr id="3" name="矩形 33"/>
+          <p:cNvSpPr/>
+          <p:nvPr/>
+        </p:nvSpPr>
+        <p:spPr>
+          <a:xfrm>
+            <a:off x="2696750" y="2001002"/>
+            <a:ext cx="1156267" cy="1016979"/>
+          </a:xfrm>
+          <a:prstGeom prst="rect">
+            <a:avLst/>
+          </a:prstGeom>
+          <a:solidFill>
+            <a:schemeClr val="bg1"/>
+          </a:solidFill>
+          <a:ln>
+            <a:solidFill>
+              <a:schemeClr val="tx1"/>
+            </a:solidFill>
+          </a:ln>
+        </p:spPr>
+        <p:style>
+          <a:lnRef idx="2">
+            <a:schemeClr val="accent1">
+              <a:shade val="50000"/>
+            </a:schemeClr>
+          </a:lnRef>
+          <a:fillRef idx="1">
+            <a:schemeClr val="accent1"/>
+          </a:fillRef>
+          <a:effectRef idx="0">
+            <a:schemeClr val="accent1"/>
+          </a:effectRef>
+          <a:fontRef idx="minor">
+            <a:schemeClr val="lt1"/>
+          </a:fontRef>
+        </p:style>
+        <p:txBody>
+          <a:bodyPr rtlCol="0" anchor="ctr"/>
+          <a:lstStyle>
+            <a:defPPr>
+              <a:defRPr lang="en-US"/>
+            </a:defPPr>
+            <a:lvl1pPr marL="0" algn="l" defTabSz="914400" rtl="0" eaLnBrk="1" latinLnBrk="0" hangingPunct="1">
+              <a:defRPr sz="1800" kern="1200">
+                <a:solidFill>
+                  <a:schemeClr val="lt1"/>
+                </a:solidFill>
+                <a:latin typeface="+mn-lt"/>
+                <a:ea typeface="+mn-ea"/>
+                <a:cs typeface="+mn-cs"/>
+              </a:defRPr>
+            </a:lvl1pPr>
+            <a:lvl2pPr marL="457200" algn="l" defTabSz="914400" rtl="0" eaLnBrk="1" latinLnBrk="0" hangingPunct="1">
+              <a:defRPr sz="1800" kern="1200">
+                <a:solidFill>
+                  <a:schemeClr val="lt1"/>
+                </a:solidFill>
+                <a:latin typeface="+mn-lt"/>
+                <a:ea typeface="+mn-ea"/>
+                <a:cs typeface="+mn-cs"/>
+              </a:defRPr>
+            </a:lvl2pPr>
+            <a:lvl3pPr marL="914400" algn="l" defTabSz="914400" rtl="0" eaLnBrk="1" latinLnBrk="0" hangingPunct="1">
+              <a:defRPr sz="1800" kern="1200">
+                <a:solidFill>
+                  <a:schemeClr val="lt1"/>
+                </a:solidFill>
+                <a:latin typeface="+mn-lt"/>
+                <a:ea typeface="+mn-ea"/>
+                <a:cs typeface="+mn-cs"/>
+              </a:defRPr>
+            </a:lvl3pPr>
+            <a:lvl4pPr marL="1371600" algn="l" defTabSz="914400" rtl="0" eaLnBrk="1" latinLnBrk="0" hangingPunct="1">
+              <a:defRPr sz="1800" kern="1200">
+                <a:solidFill>
+                  <a:schemeClr val="lt1"/>
+                </a:solidFill>
+                <a:latin typeface="+mn-lt"/>
+                <a:ea typeface="+mn-ea"/>
+                <a:cs typeface="+mn-cs"/>
+              </a:defRPr>
+            </a:lvl4pPr>
+            <a:lvl5pPr marL="1828800" algn="l" defTabSz="914400" rtl="0" eaLnBrk="1" latinLnBrk="0" hangingPunct="1">
+              <a:defRPr sz="1800" kern="1200">
+                <a:solidFill>
+                  <a:schemeClr val="lt1"/>
+                </a:solidFill>
+                <a:latin typeface="+mn-lt"/>
+                <a:ea typeface="+mn-ea"/>
+                <a:cs typeface="+mn-cs"/>
+              </a:defRPr>
+            </a:lvl5pPr>
+            <a:lvl6pPr marL="2286000" algn="l" defTabSz="914400" rtl="0" eaLnBrk="1" latinLnBrk="0" hangingPunct="1">
+              <a:defRPr sz="1800" kern="1200">
+                <a:solidFill>
+                  <a:schemeClr val="lt1"/>
+                </a:solidFill>
+                <a:latin typeface="+mn-lt"/>
+                <a:ea typeface="+mn-ea"/>
+                <a:cs typeface="+mn-cs"/>
+              </a:defRPr>
+            </a:lvl6pPr>
+            <a:lvl7pPr marL="2743200" algn="l" defTabSz="914400" rtl="0" eaLnBrk="1" latinLnBrk="0" hangingPunct="1">
+              <a:defRPr sz="1800" kern="1200">
+                <a:solidFill>
+                  <a:schemeClr val="lt1"/>
+                </a:solidFill>
+                <a:latin typeface="+mn-lt"/>
+                <a:ea typeface="+mn-ea"/>
+                <a:cs typeface="+mn-cs"/>
+              </a:defRPr>
+            </a:lvl7pPr>
+            <a:lvl8pPr marL="3200400" algn="l" defTabSz="914400" rtl="0" eaLnBrk="1" latinLnBrk="0" hangingPunct="1">
+              <a:defRPr sz="1800" kern="1200">
+                <a:solidFill>
+                  <a:schemeClr val="lt1"/>
+                </a:solidFill>
+                <a:latin typeface="+mn-lt"/>
+                <a:ea typeface="+mn-ea"/>
+                <a:cs typeface="+mn-cs"/>
+              </a:defRPr>
+            </a:lvl8pPr>
+            <a:lvl9pPr marL="3657600" algn="l" defTabSz="914400" rtl="0" eaLnBrk="1" latinLnBrk="0" hangingPunct="1">
+              <a:defRPr sz="1800" kern="1200">
+                <a:solidFill>
+                  <a:schemeClr val="lt1"/>
+                </a:solidFill>
+                <a:latin typeface="+mn-lt"/>
+                <a:ea typeface="+mn-ea"/>
+                <a:cs typeface="+mn-cs"/>
+              </a:defRPr>
+            </a:lvl9pPr>
+          </a:lstStyle>
+          <a:p>
+            <a:pPr algn="ctr"/>
+            <a:r>
+              <a:rPr lang="zh-CN" altLang="en-US" dirty="0" smtClean="0">
+                <a:solidFill>
+                  <a:sysClr val="windowText" lastClr="000000"/>
+                </a:solidFill>
+              </a:rPr>
+              <a:t>错误定位</a:t>
+            </a:r>
+            <a:endParaRPr lang="en-US" altLang="zh-CN" dirty="0" smtClean="0">
+              <a:solidFill>
+                <a:sysClr val="windowText" lastClr="000000"/>
+              </a:solidFill>
+            </a:endParaRPr>
+          </a:p>
+          <a:p>
+            <a:pPr algn="ctr"/>
+            <a:endParaRPr lang="en-US" altLang="zh-CN" dirty="0">
+              <a:solidFill>
+                <a:sysClr val="windowText" lastClr="000000"/>
+              </a:solidFill>
+            </a:endParaRPr>
+          </a:p>
+          <a:p>
+            <a:pPr algn="ctr"/>
+            <a:endParaRPr lang="en-US" altLang="zh-CN" dirty="0" smtClean="0">
+              <a:solidFill>
+                <a:sysClr val="windowText" lastClr="000000"/>
+              </a:solidFill>
+            </a:endParaRPr>
+          </a:p>
+        </p:txBody>
+      </p:sp>
+      <p:sp>
+        <p:nvSpPr>
+          <p:cNvPr id="4" name="矩形 34"/>
+          <p:cNvSpPr/>
+          <p:nvPr/>
+        </p:nvSpPr>
+        <p:spPr>
+          <a:xfrm>
+            <a:off x="5578611" y="1999188"/>
+            <a:ext cx="1358195" cy="1018794"/>
+          </a:xfrm>
+          <a:prstGeom prst="rect">
+            <a:avLst/>
+          </a:prstGeom>
+          <a:solidFill>
+            <a:schemeClr val="bg1"/>
+          </a:solidFill>
+          <a:ln w="12700">
+            <a:solidFill>
+              <a:schemeClr val="tx1"/>
+            </a:solidFill>
+          </a:ln>
+        </p:spPr>
+        <p:style>
+          <a:lnRef idx="1">
+            <a:schemeClr val="accent1"/>
+          </a:lnRef>
+          <a:fillRef idx="2">
+            <a:schemeClr val="accent1"/>
+          </a:fillRef>
+          <a:effectRef idx="1">
+            <a:schemeClr val="accent1"/>
+          </a:effectRef>
+          <a:fontRef idx="minor">
+            <a:schemeClr val="dk1"/>
+          </a:fontRef>
+        </p:style>
+        <p:txBody>
+          <a:bodyPr rtlCol="0" anchor="ctr"/>
+          <a:lstStyle>
+            <a:defPPr>
+              <a:defRPr lang="en-US"/>
+            </a:defPPr>
+            <a:lvl1pPr marL="0" algn="l" defTabSz="914400" rtl="0" eaLnBrk="1" latinLnBrk="0" hangingPunct="1">
+              <a:defRPr sz="1800" kern="1200">
+                <a:solidFill>
+                  <a:schemeClr val="dk1"/>
+                </a:solidFill>
+                <a:latin typeface="+mn-lt"/>
+                <a:ea typeface="+mn-ea"/>
+                <a:cs typeface="+mn-cs"/>
+              </a:defRPr>
+            </a:lvl1pPr>
+            <a:lvl2pPr marL="457200" algn="l" defTabSz="914400" rtl="0" eaLnBrk="1" latinLnBrk="0" hangingPunct="1">
+              <a:defRPr sz="1800" kern="1200">
+                <a:solidFill>
+                  <a:schemeClr val="dk1"/>
+                </a:solidFill>
+                <a:latin typeface="+mn-lt"/>
+                <a:ea typeface="+mn-ea"/>
+                <a:cs typeface="+mn-cs"/>
+              </a:defRPr>
+            </a:lvl2pPr>
+            <a:lvl3pPr marL="914400" algn="l" defTabSz="914400" rtl="0" eaLnBrk="1" latinLnBrk="0" hangingPunct="1">
+              <a:defRPr sz="1800" kern="1200">
+                <a:solidFill>
+                  <a:schemeClr val="dk1"/>
+                </a:solidFill>
+                <a:latin typeface="+mn-lt"/>
+                <a:ea typeface="+mn-ea"/>
+                <a:cs typeface="+mn-cs"/>
+              </a:defRPr>
+            </a:lvl3pPr>
+            <a:lvl4pPr marL="1371600" algn="l" defTabSz="914400" rtl="0" eaLnBrk="1" latinLnBrk="0" hangingPunct="1">
+              <a:defRPr sz="1800" kern="1200">
+                <a:solidFill>
+                  <a:schemeClr val="dk1"/>
+                </a:solidFill>
+                <a:latin typeface="+mn-lt"/>
+                <a:ea typeface="+mn-ea"/>
+                <a:cs typeface="+mn-cs"/>
+              </a:defRPr>
+            </a:lvl4pPr>
+            <a:lvl5pPr marL="1828800" algn="l" defTabSz="914400" rtl="0" eaLnBrk="1" latinLnBrk="0" hangingPunct="1">
+              <a:defRPr sz="1800" kern="1200">
+                <a:solidFill>
+                  <a:schemeClr val="dk1"/>
+                </a:solidFill>
+                <a:latin typeface="+mn-lt"/>
+                <a:ea typeface="+mn-ea"/>
+                <a:cs typeface="+mn-cs"/>
+              </a:defRPr>
+            </a:lvl5pPr>
+            <a:lvl6pPr marL="2286000" algn="l" defTabSz="914400" rtl="0" eaLnBrk="1" latinLnBrk="0" hangingPunct="1">
+              <a:defRPr sz="1800" kern="1200">
+                <a:solidFill>
+                  <a:schemeClr val="dk1"/>
+                </a:solidFill>
+                <a:latin typeface="+mn-lt"/>
+                <a:ea typeface="+mn-ea"/>
+                <a:cs typeface="+mn-cs"/>
+              </a:defRPr>
+            </a:lvl6pPr>
+            <a:lvl7pPr marL="2743200" algn="l" defTabSz="914400" rtl="0" eaLnBrk="1" latinLnBrk="0" hangingPunct="1">
+              <a:defRPr sz="1800" kern="1200">
+                <a:solidFill>
+                  <a:schemeClr val="dk1"/>
+                </a:solidFill>
+                <a:latin typeface="+mn-lt"/>
+                <a:ea typeface="+mn-ea"/>
+                <a:cs typeface="+mn-cs"/>
+              </a:defRPr>
+            </a:lvl7pPr>
+            <a:lvl8pPr marL="3200400" algn="l" defTabSz="914400" rtl="0" eaLnBrk="1" latinLnBrk="0" hangingPunct="1">
+              <a:defRPr sz="1800" kern="1200">
+                <a:solidFill>
+                  <a:schemeClr val="dk1"/>
+                </a:solidFill>
+                <a:latin typeface="+mn-lt"/>
+                <a:ea typeface="+mn-ea"/>
+                <a:cs typeface="+mn-cs"/>
+              </a:defRPr>
+            </a:lvl8pPr>
+            <a:lvl9pPr marL="3657600" algn="l" defTabSz="914400" rtl="0" eaLnBrk="1" latinLnBrk="0" hangingPunct="1">
+              <a:defRPr sz="1800" kern="1200">
+                <a:solidFill>
+                  <a:schemeClr val="dk1"/>
+                </a:solidFill>
+                <a:latin typeface="+mn-lt"/>
+                <a:ea typeface="+mn-ea"/>
+                <a:cs typeface="+mn-cs"/>
+              </a:defRPr>
+            </a:lvl9pPr>
+          </a:lstStyle>
+          <a:p>
+            <a:pPr algn="ctr"/>
+            <a:r>
+              <a:rPr lang="zh-CN" altLang="en-US" dirty="0" smtClean="0">
+                <a:solidFill>
+                  <a:sysClr val="windowText" lastClr="000000"/>
+                </a:solidFill>
+              </a:rPr>
+              <a:t>搜索引擎</a:t>
+            </a:r>
+            <a:endParaRPr lang="en-US" altLang="zh-CN" dirty="0">
+              <a:solidFill>
+                <a:sysClr val="windowText" lastClr="000000"/>
+              </a:solidFill>
+            </a:endParaRPr>
+          </a:p>
+          <a:p>
+            <a:pPr algn="ctr"/>
+            <a:endParaRPr lang="en-US" altLang="zh-CN" dirty="0" smtClean="0">
+              <a:solidFill>
+                <a:sysClr val="windowText" lastClr="000000"/>
+              </a:solidFill>
+            </a:endParaRPr>
+          </a:p>
+          <a:p>
+            <a:pPr algn="ctr"/>
+            <a:endParaRPr lang="en-US" altLang="zh-CN" dirty="0" smtClean="0">
+              <a:solidFill>
+                <a:sysClr val="windowText" lastClr="000000"/>
+              </a:solidFill>
+            </a:endParaRPr>
+          </a:p>
+        </p:txBody>
+      </p:sp>
+      <p:sp>
+        <p:nvSpPr>
+          <p:cNvPr id="5" name="矩形 36"/>
+          <p:cNvSpPr/>
+          <p:nvPr/>
+        </p:nvSpPr>
+        <p:spPr>
+          <a:xfrm>
+            <a:off x="2696750" y="3299110"/>
+            <a:ext cx="1156267" cy="413463"/>
+          </a:xfrm>
+          <a:prstGeom prst="rect">
+            <a:avLst/>
+          </a:prstGeom>
+          <a:solidFill>
+            <a:schemeClr val="bg1"/>
+          </a:solidFill>
+          <a:ln w="12700">
+            <a:solidFill>
+              <a:schemeClr val="tx1"/>
+            </a:solidFill>
+          </a:ln>
+        </p:spPr>
+        <p:style>
+          <a:lnRef idx="2">
+            <a:schemeClr val="accent1">
+              <a:shade val="50000"/>
+            </a:schemeClr>
+          </a:lnRef>
+          <a:fillRef idx="1">
+            <a:schemeClr val="accent1"/>
+          </a:fillRef>
+          <a:effectRef idx="0">
+            <a:schemeClr val="accent1"/>
+          </a:effectRef>
+          <a:fontRef idx="minor">
+            <a:schemeClr val="lt1"/>
+          </a:fontRef>
+        </p:style>
+        <p:txBody>
+          <a:bodyPr rtlCol="0" anchor="ctr"/>
+          <a:lstStyle>
+            <a:defPPr>
+              <a:defRPr lang="en-US"/>
+            </a:defPPr>
+            <a:lvl1pPr marL="0" algn="l" defTabSz="914400" rtl="0" eaLnBrk="1" latinLnBrk="0" hangingPunct="1">
+              <a:defRPr sz="1800" kern="1200">
+                <a:solidFill>
+                  <a:schemeClr val="lt1"/>
+                </a:solidFill>
+                <a:latin typeface="+mn-lt"/>
+                <a:ea typeface="+mn-ea"/>
+                <a:cs typeface="+mn-cs"/>
+              </a:defRPr>
+            </a:lvl1pPr>
+            <a:lvl2pPr marL="457200" algn="l" defTabSz="914400" rtl="0" eaLnBrk="1" latinLnBrk="0" hangingPunct="1">
+              <a:defRPr sz="1800" kern="1200">
+                <a:solidFill>
+                  <a:schemeClr val="lt1"/>
+                </a:solidFill>
+                <a:latin typeface="+mn-lt"/>
+                <a:ea typeface="+mn-ea"/>
+                <a:cs typeface="+mn-cs"/>
+              </a:defRPr>
+            </a:lvl2pPr>
+            <a:lvl3pPr marL="914400" algn="l" defTabSz="914400" rtl="0" eaLnBrk="1" latinLnBrk="0" hangingPunct="1">
+              <a:defRPr sz="1800" kern="1200">
+                <a:solidFill>
+                  <a:schemeClr val="lt1"/>
+                </a:solidFill>
+                <a:latin typeface="+mn-lt"/>
+                <a:ea typeface="+mn-ea"/>
+                <a:cs typeface="+mn-cs"/>
+              </a:defRPr>
+            </a:lvl3pPr>
+            <a:lvl4pPr marL="1371600" algn="l" defTabSz="914400" rtl="0" eaLnBrk="1" latinLnBrk="0" hangingPunct="1">
+              <a:defRPr sz="1800" kern="1200">
+                <a:solidFill>
+                  <a:schemeClr val="lt1"/>
+                </a:solidFill>
+                <a:latin typeface="+mn-lt"/>
+                <a:ea typeface="+mn-ea"/>
+                <a:cs typeface="+mn-cs"/>
+              </a:defRPr>
+            </a:lvl4pPr>
+            <a:lvl5pPr marL="1828800" algn="l" defTabSz="914400" rtl="0" eaLnBrk="1" latinLnBrk="0" hangingPunct="1">
+              <a:defRPr sz="1800" kern="1200">
+                <a:solidFill>
+                  <a:schemeClr val="lt1"/>
+                </a:solidFill>
+                <a:latin typeface="+mn-lt"/>
+                <a:ea typeface="+mn-ea"/>
+                <a:cs typeface="+mn-cs"/>
+              </a:defRPr>
+            </a:lvl5pPr>
+            <a:lvl6pPr marL="2286000" algn="l" defTabSz="914400" rtl="0" eaLnBrk="1" latinLnBrk="0" hangingPunct="1">
+              <a:defRPr sz="1800" kern="1200">
+                <a:solidFill>
+                  <a:schemeClr val="lt1"/>
+                </a:solidFill>
+                <a:latin typeface="+mn-lt"/>
+                <a:ea typeface="+mn-ea"/>
+                <a:cs typeface="+mn-cs"/>
+              </a:defRPr>
+            </a:lvl6pPr>
+            <a:lvl7pPr marL="2743200" algn="l" defTabSz="914400" rtl="0" eaLnBrk="1" latinLnBrk="0" hangingPunct="1">
+              <a:defRPr sz="1800" kern="1200">
+                <a:solidFill>
+                  <a:schemeClr val="lt1"/>
+                </a:solidFill>
+                <a:latin typeface="+mn-lt"/>
+                <a:ea typeface="+mn-ea"/>
+                <a:cs typeface="+mn-cs"/>
+              </a:defRPr>
+            </a:lvl7pPr>
+            <a:lvl8pPr marL="3200400" algn="l" defTabSz="914400" rtl="0" eaLnBrk="1" latinLnBrk="0" hangingPunct="1">
+              <a:defRPr sz="1800" kern="1200">
+                <a:solidFill>
+                  <a:schemeClr val="lt1"/>
+                </a:solidFill>
+                <a:latin typeface="+mn-lt"/>
+                <a:ea typeface="+mn-ea"/>
+                <a:cs typeface="+mn-cs"/>
+              </a:defRPr>
+            </a:lvl8pPr>
+            <a:lvl9pPr marL="3657600" algn="l" defTabSz="914400" rtl="0" eaLnBrk="1" latinLnBrk="0" hangingPunct="1">
+              <a:defRPr sz="1800" kern="1200">
+                <a:solidFill>
+                  <a:schemeClr val="lt1"/>
+                </a:solidFill>
+                <a:latin typeface="+mn-lt"/>
+                <a:ea typeface="+mn-ea"/>
+                <a:cs typeface="+mn-cs"/>
+              </a:defRPr>
+            </a:lvl9pPr>
+          </a:lstStyle>
+          <a:p>
+            <a:pPr algn="ctr"/>
+            <a:r>
+              <a:rPr lang="zh-CN" altLang="en-US" dirty="0" smtClean="0">
+                <a:solidFill>
+                  <a:sysClr val="windowText" lastClr="000000"/>
+                </a:solidFill>
+              </a:rPr>
+              <a:t>验证器</a:t>
+            </a:r>
+            <a:endParaRPr lang="zh-CN" altLang="en-US" dirty="0">
+              <a:solidFill>
+                <a:sysClr val="windowText" lastClr="000000"/>
+              </a:solidFill>
+            </a:endParaRPr>
+          </a:p>
+        </p:txBody>
+      </p:sp>
+      <p:sp>
+        <p:nvSpPr>
+          <p:cNvPr id="6" name="圆柱形 47"/>
+          <p:cNvSpPr/>
+          <p:nvPr/>
+        </p:nvSpPr>
+        <p:spPr>
+          <a:xfrm>
+            <a:off x="5699975" y="2410477"/>
+            <a:ext cx="1115465" cy="535010"/>
+          </a:xfrm>
+          <a:prstGeom prst="can">
+            <a:avLst>
+              <a:gd name="adj" fmla="val 16774"/>
+            </a:avLst>
+          </a:prstGeom>
+          <a:solidFill>
+            <a:schemeClr val="bg1"/>
+          </a:solidFill>
+          <a:ln>
+            <a:solidFill>
+              <a:schemeClr val="tx1"/>
+            </a:solidFill>
+          </a:ln>
+        </p:spPr>
+        <p:style>
+          <a:lnRef idx="1">
+            <a:schemeClr val="accent1"/>
+          </a:lnRef>
+          <a:fillRef idx="2">
+            <a:schemeClr val="accent1"/>
+          </a:fillRef>
+          <a:effectRef idx="1">
+            <a:schemeClr val="accent1"/>
+          </a:effectRef>
+          <a:fontRef idx="minor">
+            <a:schemeClr val="dk1"/>
+          </a:fontRef>
+        </p:style>
+        <p:txBody>
+          <a:bodyPr rtlCol="0" anchor="ctr"/>
+          <a:lstStyle>
+            <a:defPPr>
+              <a:defRPr lang="en-US"/>
+            </a:defPPr>
+            <a:lvl1pPr marL="0" algn="l" defTabSz="914400" rtl="0" eaLnBrk="1" latinLnBrk="0" hangingPunct="1">
+              <a:defRPr sz="1800" kern="1200">
+                <a:solidFill>
+                  <a:schemeClr val="dk1"/>
+                </a:solidFill>
+                <a:latin typeface="+mn-lt"/>
+                <a:ea typeface="+mn-ea"/>
+                <a:cs typeface="+mn-cs"/>
+              </a:defRPr>
+            </a:lvl1pPr>
+            <a:lvl2pPr marL="457200" algn="l" defTabSz="914400" rtl="0" eaLnBrk="1" latinLnBrk="0" hangingPunct="1">
+              <a:defRPr sz="1800" kern="1200">
+                <a:solidFill>
+                  <a:schemeClr val="dk1"/>
+                </a:solidFill>
+                <a:latin typeface="+mn-lt"/>
+                <a:ea typeface="+mn-ea"/>
+                <a:cs typeface="+mn-cs"/>
+              </a:defRPr>
+            </a:lvl2pPr>
+            <a:lvl3pPr marL="914400" algn="l" defTabSz="914400" rtl="0" eaLnBrk="1" latinLnBrk="0" hangingPunct="1">
+              <a:defRPr sz="1800" kern="1200">
+                <a:solidFill>
+                  <a:schemeClr val="dk1"/>
+                </a:solidFill>
+                <a:latin typeface="+mn-lt"/>
+                <a:ea typeface="+mn-ea"/>
+                <a:cs typeface="+mn-cs"/>
+              </a:defRPr>
+            </a:lvl3pPr>
+            <a:lvl4pPr marL="1371600" algn="l" defTabSz="914400" rtl="0" eaLnBrk="1" latinLnBrk="0" hangingPunct="1">
+              <a:defRPr sz="1800" kern="1200">
+                <a:solidFill>
+                  <a:schemeClr val="dk1"/>
+                </a:solidFill>
+                <a:latin typeface="+mn-lt"/>
+                <a:ea typeface="+mn-ea"/>
+                <a:cs typeface="+mn-cs"/>
+              </a:defRPr>
+            </a:lvl4pPr>
+            <a:lvl5pPr marL="1828800" algn="l" defTabSz="914400" rtl="0" eaLnBrk="1" latinLnBrk="0" hangingPunct="1">
+              <a:defRPr sz="1800" kern="1200">
+                <a:solidFill>
+                  <a:schemeClr val="dk1"/>
+                </a:solidFill>
+                <a:latin typeface="+mn-lt"/>
+                <a:ea typeface="+mn-ea"/>
+                <a:cs typeface="+mn-cs"/>
+              </a:defRPr>
+            </a:lvl5pPr>
+            <a:lvl6pPr marL="2286000" algn="l" defTabSz="914400" rtl="0" eaLnBrk="1" latinLnBrk="0" hangingPunct="1">
+              <a:defRPr sz="1800" kern="1200">
+                <a:solidFill>
+                  <a:schemeClr val="dk1"/>
+                </a:solidFill>
+                <a:latin typeface="+mn-lt"/>
+                <a:ea typeface="+mn-ea"/>
+                <a:cs typeface="+mn-cs"/>
+              </a:defRPr>
+            </a:lvl6pPr>
+            <a:lvl7pPr marL="2743200" algn="l" defTabSz="914400" rtl="0" eaLnBrk="1" latinLnBrk="0" hangingPunct="1">
+              <a:defRPr sz="1800" kern="1200">
+                <a:solidFill>
+                  <a:schemeClr val="dk1"/>
+                </a:solidFill>
+                <a:latin typeface="+mn-lt"/>
+                <a:ea typeface="+mn-ea"/>
+                <a:cs typeface="+mn-cs"/>
+              </a:defRPr>
+            </a:lvl7pPr>
+            <a:lvl8pPr marL="3200400" algn="l" defTabSz="914400" rtl="0" eaLnBrk="1" latinLnBrk="0" hangingPunct="1">
+              <a:defRPr sz="1800" kern="1200">
+                <a:solidFill>
+                  <a:schemeClr val="dk1"/>
+                </a:solidFill>
+                <a:latin typeface="+mn-lt"/>
+                <a:ea typeface="+mn-ea"/>
+                <a:cs typeface="+mn-cs"/>
+              </a:defRPr>
+            </a:lvl8pPr>
+            <a:lvl9pPr marL="3657600" algn="l" defTabSz="914400" rtl="0" eaLnBrk="1" latinLnBrk="0" hangingPunct="1">
+              <a:defRPr sz="1800" kern="1200">
+                <a:solidFill>
+                  <a:schemeClr val="dk1"/>
+                </a:solidFill>
+                <a:latin typeface="+mn-lt"/>
+                <a:ea typeface="+mn-ea"/>
+                <a:cs typeface="+mn-cs"/>
+              </a:defRPr>
+            </a:lvl9pPr>
+          </a:lstStyle>
+          <a:p>
+            <a:pPr algn="ctr"/>
+            <a:r>
+              <a:rPr lang="zh-CN" altLang="en-US" sz="1200" dirty="0" smtClean="0">
+                <a:solidFill>
+                  <a:sysClr val="windowText" lastClr="000000"/>
+                </a:solidFill>
+              </a:rPr>
+              <a:t>修复模板</a:t>
+            </a:r>
+            <a:r>
+              <a:rPr lang="en-US" altLang="zh-CN" sz="1200" dirty="0" smtClean="0">
+                <a:solidFill>
+                  <a:sysClr val="windowText" lastClr="000000"/>
+                </a:solidFill>
+              </a:rPr>
+              <a:t>&amp;</a:t>
+            </a:r>
+          </a:p>
+          <a:p>
+            <a:pPr algn="ctr"/>
+            <a:r>
+              <a:rPr lang="zh-CN" altLang="en-US" sz="1200" dirty="0" smtClean="0">
+                <a:solidFill>
+                  <a:sysClr val="windowText" lastClr="000000"/>
+                </a:solidFill>
+              </a:rPr>
+              <a:t>搜索空间定义</a:t>
+            </a:r>
+            <a:endParaRPr lang="zh-CN" altLang="en-US" sz="1200" dirty="0">
+              <a:solidFill>
+                <a:sysClr val="windowText" lastClr="000000"/>
+              </a:solidFill>
+            </a:endParaRPr>
+          </a:p>
+        </p:txBody>
+      </p:sp>
+      <p:sp>
+        <p:nvSpPr>
+          <p:cNvPr id="7" name="右箭头 58"/>
+          <p:cNvSpPr/>
+          <p:nvPr/>
+        </p:nvSpPr>
+        <p:spPr>
+          <a:xfrm rot="5400000">
+            <a:off x="6165772" y="3062114"/>
+            <a:ext cx="183867" cy="203463"/>
+          </a:xfrm>
+          <a:prstGeom prst="rightArrow">
+            <a:avLst/>
+          </a:prstGeom>
+          <a:solidFill>
+            <a:schemeClr val="bg1"/>
+          </a:solidFill>
+          <a:ln>
+            <a:solidFill>
+              <a:schemeClr val="tx1"/>
+            </a:solidFill>
+          </a:ln>
+        </p:spPr>
+        <p:style>
+          <a:lnRef idx="2">
+            <a:schemeClr val="accent1">
+              <a:shade val="50000"/>
+            </a:schemeClr>
+          </a:lnRef>
+          <a:fillRef idx="1">
+            <a:schemeClr val="accent1"/>
+          </a:fillRef>
+          <a:effectRef idx="0">
+            <a:schemeClr val="accent1"/>
+          </a:effectRef>
+          <a:fontRef idx="minor">
+            <a:schemeClr val="lt1"/>
+          </a:fontRef>
+        </p:style>
+        <p:txBody>
+          <a:bodyPr rtlCol="0" anchor="ctr"/>
+          <a:lstStyle>
+            <a:defPPr>
+              <a:defRPr lang="en-US"/>
+            </a:defPPr>
+            <a:lvl1pPr marL="0" algn="l" defTabSz="914400" rtl="0" eaLnBrk="1" latinLnBrk="0" hangingPunct="1">
+              <a:defRPr sz="1800" kern="1200">
+                <a:solidFill>
+                  <a:schemeClr val="lt1"/>
+                </a:solidFill>
+                <a:latin typeface="+mn-lt"/>
+                <a:ea typeface="+mn-ea"/>
+                <a:cs typeface="+mn-cs"/>
+              </a:defRPr>
+            </a:lvl1pPr>
+            <a:lvl2pPr marL="457200" algn="l" defTabSz="914400" rtl="0" eaLnBrk="1" latinLnBrk="0" hangingPunct="1">
+              <a:defRPr sz="1800" kern="1200">
+                <a:solidFill>
+                  <a:schemeClr val="lt1"/>
+                </a:solidFill>
+                <a:latin typeface="+mn-lt"/>
+                <a:ea typeface="+mn-ea"/>
+                <a:cs typeface="+mn-cs"/>
+              </a:defRPr>
+            </a:lvl2pPr>
+            <a:lvl3pPr marL="914400" algn="l" defTabSz="914400" rtl="0" eaLnBrk="1" latinLnBrk="0" hangingPunct="1">
+              <a:defRPr sz="1800" kern="1200">
+                <a:solidFill>
+                  <a:schemeClr val="lt1"/>
+                </a:solidFill>
+                <a:latin typeface="+mn-lt"/>
+                <a:ea typeface="+mn-ea"/>
+                <a:cs typeface="+mn-cs"/>
+              </a:defRPr>
+            </a:lvl3pPr>
+            <a:lvl4pPr marL="1371600" algn="l" defTabSz="914400" rtl="0" eaLnBrk="1" latinLnBrk="0" hangingPunct="1">
+              <a:defRPr sz="1800" kern="1200">
+                <a:solidFill>
+                  <a:schemeClr val="lt1"/>
+                </a:solidFill>
+                <a:latin typeface="+mn-lt"/>
+                <a:ea typeface="+mn-ea"/>
+                <a:cs typeface="+mn-cs"/>
+              </a:defRPr>
+            </a:lvl4pPr>
+            <a:lvl5pPr marL="1828800" algn="l" defTabSz="914400" rtl="0" eaLnBrk="1" latinLnBrk="0" hangingPunct="1">
+              <a:defRPr sz="1800" kern="1200">
+                <a:solidFill>
+                  <a:schemeClr val="lt1"/>
+                </a:solidFill>
+                <a:latin typeface="+mn-lt"/>
+                <a:ea typeface="+mn-ea"/>
+                <a:cs typeface="+mn-cs"/>
+              </a:defRPr>
+            </a:lvl5pPr>
+            <a:lvl6pPr marL="2286000" algn="l" defTabSz="914400" rtl="0" eaLnBrk="1" latinLnBrk="0" hangingPunct="1">
+              <a:defRPr sz="1800" kern="1200">
+                <a:solidFill>
+                  <a:schemeClr val="lt1"/>
+                </a:solidFill>
+                <a:latin typeface="+mn-lt"/>
+                <a:ea typeface="+mn-ea"/>
+                <a:cs typeface="+mn-cs"/>
+              </a:defRPr>
+            </a:lvl6pPr>
+            <a:lvl7pPr marL="2743200" algn="l" defTabSz="914400" rtl="0" eaLnBrk="1" latinLnBrk="0" hangingPunct="1">
+              <a:defRPr sz="1800" kern="1200">
+                <a:solidFill>
+                  <a:schemeClr val="lt1"/>
+                </a:solidFill>
+                <a:latin typeface="+mn-lt"/>
+                <a:ea typeface="+mn-ea"/>
+                <a:cs typeface="+mn-cs"/>
+              </a:defRPr>
+            </a:lvl7pPr>
+            <a:lvl8pPr marL="3200400" algn="l" defTabSz="914400" rtl="0" eaLnBrk="1" latinLnBrk="0" hangingPunct="1">
+              <a:defRPr sz="1800" kern="1200">
+                <a:solidFill>
+                  <a:schemeClr val="lt1"/>
+                </a:solidFill>
+                <a:latin typeface="+mn-lt"/>
+                <a:ea typeface="+mn-ea"/>
+                <a:cs typeface="+mn-cs"/>
+              </a:defRPr>
+            </a:lvl8pPr>
+            <a:lvl9pPr marL="3657600" algn="l" defTabSz="914400" rtl="0" eaLnBrk="1" latinLnBrk="0" hangingPunct="1">
+              <a:defRPr sz="1800" kern="1200">
+                <a:solidFill>
+                  <a:schemeClr val="lt1"/>
+                </a:solidFill>
+                <a:latin typeface="+mn-lt"/>
+                <a:ea typeface="+mn-ea"/>
+                <a:cs typeface="+mn-cs"/>
+              </a:defRPr>
+            </a:lvl9pPr>
+          </a:lstStyle>
+          <a:p>
+            <a:pPr algn="ctr"/>
+            <a:endParaRPr lang="zh-CN" altLang="en-US">
+              <a:solidFill>
+                <a:sysClr val="windowText" lastClr="000000"/>
+              </a:solidFill>
+            </a:endParaRPr>
+          </a:p>
+        </p:txBody>
+      </p:sp>
+      <p:sp>
+        <p:nvSpPr>
+          <p:cNvPr id="8" name="矩形 60"/>
+          <p:cNvSpPr/>
+          <p:nvPr/>
+        </p:nvSpPr>
+        <p:spPr>
+          <a:xfrm>
+            <a:off x="4145571" y="2241657"/>
+            <a:ext cx="1153379" cy="375405"/>
+          </a:xfrm>
+          <a:prstGeom prst="rect">
+            <a:avLst/>
+          </a:prstGeom>
+          <a:solidFill>
+            <a:schemeClr val="bg1"/>
+          </a:solidFill>
+          <a:ln>
+            <a:solidFill>
+              <a:schemeClr val="bg1"/>
+            </a:solidFill>
+          </a:ln>
+        </p:spPr>
+        <p:style>
+          <a:lnRef idx="1">
+            <a:schemeClr val="accent3"/>
+          </a:lnRef>
+          <a:fillRef idx="2">
+            <a:schemeClr val="accent3"/>
+          </a:fillRef>
+          <a:effectRef idx="1">
+            <a:schemeClr val="accent3"/>
+          </a:effectRef>
+          <a:fontRef idx="minor">
+            <a:schemeClr val="dk1"/>
+          </a:fontRef>
+        </p:style>
+        <p:txBody>
+          <a:bodyPr rtlCol="0" anchor="ctr"/>
+          <a:lstStyle>
+            <a:defPPr>
+              <a:defRPr lang="en-US"/>
+            </a:defPPr>
+            <a:lvl1pPr marL="0" algn="l" defTabSz="914400" rtl="0" eaLnBrk="1" latinLnBrk="0" hangingPunct="1">
+              <a:defRPr sz="1800" kern="1200">
+                <a:solidFill>
+                  <a:schemeClr val="dk1"/>
+                </a:solidFill>
+                <a:latin typeface="+mn-lt"/>
+                <a:ea typeface="+mn-ea"/>
+                <a:cs typeface="+mn-cs"/>
+              </a:defRPr>
+            </a:lvl1pPr>
+            <a:lvl2pPr marL="457200" algn="l" defTabSz="914400" rtl="0" eaLnBrk="1" latinLnBrk="0" hangingPunct="1">
+              <a:defRPr sz="1800" kern="1200">
+                <a:solidFill>
+                  <a:schemeClr val="dk1"/>
+                </a:solidFill>
+                <a:latin typeface="+mn-lt"/>
+                <a:ea typeface="+mn-ea"/>
+                <a:cs typeface="+mn-cs"/>
+              </a:defRPr>
+            </a:lvl2pPr>
+            <a:lvl3pPr marL="914400" algn="l" defTabSz="914400" rtl="0" eaLnBrk="1" latinLnBrk="0" hangingPunct="1">
+              <a:defRPr sz="1800" kern="1200">
+                <a:solidFill>
+                  <a:schemeClr val="dk1"/>
+                </a:solidFill>
+                <a:latin typeface="+mn-lt"/>
+                <a:ea typeface="+mn-ea"/>
+                <a:cs typeface="+mn-cs"/>
+              </a:defRPr>
+            </a:lvl3pPr>
+            <a:lvl4pPr marL="1371600" algn="l" defTabSz="914400" rtl="0" eaLnBrk="1" latinLnBrk="0" hangingPunct="1">
+              <a:defRPr sz="1800" kern="1200">
+                <a:solidFill>
+                  <a:schemeClr val="dk1"/>
+                </a:solidFill>
+                <a:latin typeface="+mn-lt"/>
+                <a:ea typeface="+mn-ea"/>
+                <a:cs typeface="+mn-cs"/>
+              </a:defRPr>
+            </a:lvl4pPr>
+            <a:lvl5pPr marL="1828800" algn="l" defTabSz="914400" rtl="0" eaLnBrk="1" latinLnBrk="0" hangingPunct="1">
+              <a:defRPr sz="1800" kern="1200">
+                <a:solidFill>
+                  <a:schemeClr val="dk1"/>
+                </a:solidFill>
+                <a:latin typeface="+mn-lt"/>
+                <a:ea typeface="+mn-ea"/>
+                <a:cs typeface="+mn-cs"/>
+              </a:defRPr>
+            </a:lvl5pPr>
+            <a:lvl6pPr marL="2286000" algn="l" defTabSz="914400" rtl="0" eaLnBrk="1" latinLnBrk="0" hangingPunct="1">
+              <a:defRPr sz="1800" kern="1200">
+                <a:solidFill>
+                  <a:schemeClr val="dk1"/>
+                </a:solidFill>
+                <a:latin typeface="+mn-lt"/>
+                <a:ea typeface="+mn-ea"/>
+                <a:cs typeface="+mn-cs"/>
+              </a:defRPr>
+            </a:lvl6pPr>
+            <a:lvl7pPr marL="2743200" algn="l" defTabSz="914400" rtl="0" eaLnBrk="1" latinLnBrk="0" hangingPunct="1">
+              <a:defRPr sz="1800" kern="1200">
+                <a:solidFill>
+                  <a:schemeClr val="dk1"/>
+                </a:solidFill>
+                <a:latin typeface="+mn-lt"/>
+                <a:ea typeface="+mn-ea"/>
+                <a:cs typeface="+mn-cs"/>
+              </a:defRPr>
+            </a:lvl7pPr>
+            <a:lvl8pPr marL="3200400" algn="l" defTabSz="914400" rtl="0" eaLnBrk="1" latinLnBrk="0" hangingPunct="1">
+              <a:defRPr sz="1800" kern="1200">
+                <a:solidFill>
+                  <a:schemeClr val="dk1"/>
+                </a:solidFill>
+                <a:latin typeface="+mn-lt"/>
+                <a:ea typeface="+mn-ea"/>
+                <a:cs typeface="+mn-cs"/>
+              </a:defRPr>
+            </a:lvl8pPr>
+            <a:lvl9pPr marL="3657600" algn="l" defTabSz="914400" rtl="0" eaLnBrk="1" latinLnBrk="0" hangingPunct="1">
+              <a:defRPr sz="1800" kern="1200">
+                <a:solidFill>
+                  <a:schemeClr val="dk1"/>
+                </a:solidFill>
+                <a:latin typeface="+mn-lt"/>
+                <a:ea typeface="+mn-ea"/>
+                <a:cs typeface="+mn-cs"/>
+              </a:defRPr>
+            </a:lvl9pPr>
+          </a:lstStyle>
+          <a:p>
+            <a:pPr algn="ctr"/>
+            <a:r>
+              <a:rPr lang="zh-CN" altLang="en-US" sz="1400" dirty="0" smtClean="0">
+                <a:solidFill>
+                  <a:sysClr val="windowText" lastClr="000000"/>
+                </a:solidFill>
+              </a:rPr>
+              <a:t>代</a:t>
+            </a:r>
+            <a:r>
+              <a:rPr lang="zh-CN" altLang="en-US" sz="1400" dirty="0">
+                <a:solidFill>
+                  <a:sysClr val="windowText" lastClr="000000"/>
+                </a:solidFill>
+              </a:rPr>
+              <a:t>码</a:t>
+            </a:r>
+            <a:r>
+              <a:rPr lang="zh-CN" altLang="en-US" sz="1400" dirty="0" smtClean="0">
+                <a:solidFill>
+                  <a:sysClr val="windowText" lastClr="000000"/>
+                </a:solidFill>
+              </a:rPr>
+              <a:t>行</a:t>
+            </a:r>
+            <a:endParaRPr lang="en-US" altLang="zh-CN" sz="1400" dirty="0" smtClean="0">
+              <a:solidFill>
+                <a:sysClr val="windowText" lastClr="000000"/>
+              </a:solidFill>
+            </a:endParaRPr>
+          </a:p>
+          <a:p>
+            <a:pPr algn="ctr"/>
+            <a:r>
+              <a:rPr lang="zh-CN" altLang="en-US" sz="1400" dirty="0" smtClean="0">
+                <a:solidFill>
+                  <a:sysClr val="windowText" lastClr="000000"/>
+                </a:solidFill>
+              </a:rPr>
+              <a:t>修改顺</a:t>
+            </a:r>
+            <a:r>
+              <a:rPr lang="zh-CN" altLang="en-US" sz="1400" dirty="0">
+                <a:solidFill>
+                  <a:sysClr val="windowText" lastClr="000000"/>
+                </a:solidFill>
+              </a:rPr>
+              <a:t>序</a:t>
+            </a:r>
+            <a:endParaRPr lang="en-US" altLang="zh-CN" sz="1400" dirty="0" smtClean="0">
+              <a:solidFill>
+                <a:sysClr val="windowText" lastClr="000000"/>
+              </a:solidFill>
+            </a:endParaRPr>
+          </a:p>
+        </p:txBody>
+      </p:sp>
+      <p:sp>
+        <p:nvSpPr>
+          <p:cNvPr id="9" name="矩形 36"/>
+          <p:cNvSpPr/>
+          <p:nvPr/>
+        </p:nvSpPr>
+        <p:spPr>
+          <a:xfrm>
+            <a:off x="5679311" y="3306196"/>
+            <a:ext cx="1136129" cy="413463"/>
+          </a:xfrm>
+          <a:prstGeom prst="rect">
+            <a:avLst/>
+          </a:prstGeom>
+          <a:solidFill>
+            <a:schemeClr val="bg1"/>
+          </a:solidFill>
+          <a:ln w="19050">
+            <a:solidFill>
+              <a:schemeClr val="tx1"/>
+            </a:solidFill>
+          </a:ln>
+        </p:spPr>
+        <p:style>
+          <a:lnRef idx="1">
+            <a:schemeClr val="accent5"/>
+          </a:lnRef>
+          <a:fillRef idx="2">
+            <a:schemeClr val="accent5"/>
+          </a:fillRef>
+          <a:effectRef idx="1">
+            <a:schemeClr val="accent5"/>
+          </a:effectRef>
+          <a:fontRef idx="minor">
+            <a:schemeClr val="dk1"/>
+          </a:fontRef>
+        </p:style>
+        <p:txBody>
+          <a:bodyPr rtlCol="0" anchor="ctr"/>
+          <a:lstStyle>
+            <a:defPPr>
+              <a:defRPr lang="en-US"/>
+            </a:defPPr>
+            <a:lvl1pPr marL="0" algn="l" defTabSz="914400" rtl="0" eaLnBrk="1" latinLnBrk="0" hangingPunct="1">
+              <a:defRPr sz="1800" kern="1200">
+                <a:solidFill>
+                  <a:schemeClr val="dk1"/>
+                </a:solidFill>
+                <a:latin typeface="+mn-lt"/>
+                <a:ea typeface="+mn-ea"/>
+                <a:cs typeface="+mn-cs"/>
+              </a:defRPr>
+            </a:lvl1pPr>
+            <a:lvl2pPr marL="457200" algn="l" defTabSz="914400" rtl="0" eaLnBrk="1" latinLnBrk="0" hangingPunct="1">
+              <a:defRPr sz="1800" kern="1200">
+                <a:solidFill>
+                  <a:schemeClr val="dk1"/>
+                </a:solidFill>
+                <a:latin typeface="+mn-lt"/>
+                <a:ea typeface="+mn-ea"/>
+                <a:cs typeface="+mn-cs"/>
+              </a:defRPr>
+            </a:lvl2pPr>
+            <a:lvl3pPr marL="914400" algn="l" defTabSz="914400" rtl="0" eaLnBrk="1" latinLnBrk="0" hangingPunct="1">
+              <a:defRPr sz="1800" kern="1200">
+                <a:solidFill>
+                  <a:schemeClr val="dk1"/>
+                </a:solidFill>
+                <a:latin typeface="+mn-lt"/>
+                <a:ea typeface="+mn-ea"/>
+                <a:cs typeface="+mn-cs"/>
+              </a:defRPr>
+            </a:lvl3pPr>
+            <a:lvl4pPr marL="1371600" algn="l" defTabSz="914400" rtl="0" eaLnBrk="1" latinLnBrk="0" hangingPunct="1">
+              <a:defRPr sz="1800" kern="1200">
+                <a:solidFill>
+                  <a:schemeClr val="dk1"/>
+                </a:solidFill>
+                <a:latin typeface="+mn-lt"/>
+                <a:ea typeface="+mn-ea"/>
+                <a:cs typeface="+mn-cs"/>
+              </a:defRPr>
+            </a:lvl4pPr>
+            <a:lvl5pPr marL="1828800" algn="l" defTabSz="914400" rtl="0" eaLnBrk="1" latinLnBrk="0" hangingPunct="1">
+              <a:defRPr sz="1800" kern="1200">
+                <a:solidFill>
+                  <a:schemeClr val="dk1"/>
+                </a:solidFill>
+                <a:latin typeface="+mn-lt"/>
+                <a:ea typeface="+mn-ea"/>
+                <a:cs typeface="+mn-cs"/>
+              </a:defRPr>
+            </a:lvl5pPr>
+            <a:lvl6pPr marL="2286000" algn="l" defTabSz="914400" rtl="0" eaLnBrk="1" latinLnBrk="0" hangingPunct="1">
+              <a:defRPr sz="1800" kern="1200">
+                <a:solidFill>
+                  <a:schemeClr val="dk1"/>
+                </a:solidFill>
+                <a:latin typeface="+mn-lt"/>
+                <a:ea typeface="+mn-ea"/>
+                <a:cs typeface="+mn-cs"/>
+              </a:defRPr>
+            </a:lvl6pPr>
+            <a:lvl7pPr marL="2743200" algn="l" defTabSz="914400" rtl="0" eaLnBrk="1" latinLnBrk="0" hangingPunct="1">
+              <a:defRPr sz="1800" kern="1200">
+                <a:solidFill>
+                  <a:schemeClr val="dk1"/>
+                </a:solidFill>
+                <a:latin typeface="+mn-lt"/>
+                <a:ea typeface="+mn-ea"/>
+                <a:cs typeface="+mn-cs"/>
+              </a:defRPr>
+            </a:lvl7pPr>
+            <a:lvl8pPr marL="3200400" algn="l" defTabSz="914400" rtl="0" eaLnBrk="1" latinLnBrk="0" hangingPunct="1">
+              <a:defRPr sz="1800" kern="1200">
+                <a:solidFill>
+                  <a:schemeClr val="dk1"/>
+                </a:solidFill>
+                <a:latin typeface="+mn-lt"/>
+                <a:ea typeface="+mn-ea"/>
+                <a:cs typeface="+mn-cs"/>
+              </a:defRPr>
+            </a:lvl8pPr>
+            <a:lvl9pPr marL="3657600" algn="l" defTabSz="914400" rtl="0" eaLnBrk="1" latinLnBrk="0" hangingPunct="1">
+              <a:defRPr sz="1800" kern="1200">
+                <a:solidFill>
+                  <a:schemeClr val="dk1"/>
+                </a:solidFill>
+                <a:latin typeface="+mn-lt"/>
+                <a:ea typeface="+mn-ea"/>
+                <a:cs typeface="+mn-cs"/>
+              </a:defRPr>
+            </a:lvl9pPr>
+          </a:lstStyle>
+          <a:p>
+            <a:pPr algn="ctr"/>
+            <a:r>
+              <a:rPr lang="zh-CN" altLang="en-US" dirty="0" smtClean="0">
+                <a:solidFill>
+                  <a:sysClr val="windowText" lastClr="000000"/>
+                </a:solidFill>
+              </a:rPr>
+              <a:t>预过滤器</a:t>
+            </a:r>
+            <a:endParaRPr lang="zh-CN" altLang="en-US" dirty="0">
+              <a:solidFill>
+                <a:sysClr val="windowText" lastClr="000000"/>
+              </a:solidFill>
+            </a:endParaRPr>
+          </a:p>
+        </p:txBody>
+      </p:sp>
+      <p:sp>
+        <p:nvSpPr>
+          <p:cNvPr id="10" name="右箭头 58"/>
+          <p:cNvSpPr/>
+          <p:nvPr/>
+        </p:nvSpPr>
+        <p:spPr>
+          <a:xfrm rot="10800000">
+            <a:off x="3956422" y="3411193"/>
+            <a:ext cx="1563508" cy="203463"/>
+          </a:xfrm>
+          <a:prstGeom prst="rightArrow">
+            <a:avLst/>
+          </a:prstGeom>
+          <a:solidFill>
+            <a:schemeClr val="bg1"/>
+          </a:solidFill>
+          <a:ln>
+            <a:solidFill>
+              <a:schemeClr val="tx1"/>
+            </a:solidFill>
+          </a:ln>
+        </p:spPr>
+        <p:style>
+          <a:lnRef idx="2">
+            <a:schemeClr val="accent1">
+              <a:shade val="50000"/>
+            </a:schemeClr>
+          </a:lnRef>
+          <a:fillRef idx="1">
+            <a:schemeClr val="accent1"/>
+          </a:fillRef>
+          <a:effectRef idx="0">
+            <a:schemeClr val="accent1"/>
+          </a:effectRef>
+          <a:fontRef idx="minor">
+            <a:schemeClr val="lt1"/>
+          </a:fontRef>
+        </p:style>
+        <p:txBody>
+          <a:bodyPr rtlCol="0" anchor="ctr"/>
+          <a:lstStyle>
+            <a:defPPr>
+              <a:defRPr lang="en-US"/>
+            </a:defPPr>
+            <a:lvl1pPr marL="0" algn="l" defTabSz="914400" rtl="0" eaLnBrk="1" latinLnBrk="0" hangingPunct="1">
+              <a:defRPr sz="1800" kern="1200">
+                <a:solidFill>
+                  <a:schemeClr val="lt1"/>
+                </a:solidFill>
+                <a:latin typeface="+mn-lt"/>
+                <a:ea typeface="+mn-ea"/>
+                <a:cs typeface="+mn-cs"/>
+              </a:defRPr>
+            </a:lvl1pPr>
+            <a:lvl2pPr marL="457200" algn="l" defTabSz="914400" rtl="0" eaLnBrk="1" latinLnBrk="0" hangingPunct="1">
+              <a:defRPr sz="1800" kern="1200">
+                <a:solidFill>
+                  <a:schemeClr val="lt1"/>
+                </a:solidFill>
+                <a:latin typeface="+mn-lt"/>
+                <a:ea typeface="+mn-ea"/>
+                <a:cs typeface="+mn-cs"/>
+              </a:defRPr>
+            </a:lvl2pPr>
+            <a:lvl3pPr marL="914400" algn="l" defTabSz="914400" rtl="0" eaLnBrk="1" latinLnBrk="0" hangingPunct="1">
+              <a:defRPr sz="1800" kern="1200">
+                <a:solidFill>
+                  <a:schemeClr val="lt1"/>
+                </a:solidFill>
+                <a:latin typeface="+mn-lt"/>
+                <a:ea typeface="+mn-ea"/>
+                <a:cs typeface="+mn-cs"/>
+              </a:defRPr>
+            </a:lvl3pPr>
+            <a:lvl4pPr marL="1371600" algn="l" defTabSz="914400" rtl="0" eaLnBrk="1" latinLnBrk="0" hangingPunct="1">
+              <a:defRPr sz="1800" kern="1200">
+                <a:solidFill>
+                  <a:schemeClr val="lt1"/>
+                </a:solidFill>
+                <a:latin typeface="+mn-lt"/>
+                <a:ea typeface="+mn-ea"/>
+                <a:cs typeface="+mn-cs"/>
+              </a:defRPr>
+            </a:lvl4pPr>
+            <a:lvl5pPr marL="1828800" algn="l" defTabSz="914400" rtl="0" eaLnBrk="1" latinLnBrk="0" hangingPunct="1">
+              <a:defRPr sz="1800" kern="1200">
+                <a:solidFill>
+                  <a:schemeClr val="lt1"/>
+                </a:solidFill>
+                <a:latin typeface="+mn-lt"/>
+                <a:ea typeface="+mn-ea"/>
+                <a:cs typeface="+mn-cs"/>
+              </a:defRPr>
+            </a:lvl5pPr>
+            <a:lvl6pPr marL="2286000" algn="l" defTabSz="914400" rtl="0" eaLnBrk="1" latinLnBrk="0" hangingPunct="1">
+              <a:defRPr sz="1800" kern="1200">
+                <a:solidFill>
+                  <a:schemeClr val="lt1"/>
+                </a:solidFill>
+                <a:latin typeface="+mn-lt"/>
+                <a:ea typeface="+mn-ea"/>
+                <a:cs typeface="+mn-cs"/>
+              </a:defRPr>
+            </a:lvl6pPr>
+            <a:lvl7pPr marL="2743200" algn="l" defTabSz="914400" rtl="0" eaLnBrk="1" latinLnBrk="0" hangingPunct="1">
+              <a:defRPr sz="1800" kern="1200">
+                <a:solidFill>
+                  <a:schemeClr val="lt1"/>
+                </a:solidFill>
+                <a:latin typeface="+mn-lt"/>
+                <a:ea typeface="+mn-ea"/>
+                <a:cs typeface="+mn-cs"/>
+              </a:defRPr>
+            </a:lvl7pPr>
+            <a:lvl8pPr marL="3200400" algn="l" defTabSz="914400" rtl="0" eaLnBrk="1" latinLnBrk="0" hangingPunct="1">
+              <a:defRPr sz="1800" kern="1200">
+                <a:solidFill>
+                  <a:schemeClr val="lt1"/>
+                </a:solidFill>
+                <a:latin typeface="+mn-lt"/>
+                <a:ea typeface="+mn-ea"/>
+                <a:cs typeface="+mn-cs"/>
+              </a:defRPr>
+            </a:lvl8pPr>
+            <a:lvl9pPr marL="3657600" algn="l" defTabSz="914400" rtl="0" eaLnBrk="1" latinLnBrk="0" hangingPunct="1">
+              <a:defRPr sz="1800" kern="1200">
+                <a:solidFill>
+                  <a:schemeClr val="lt1"/>
+                </a:solidFill>
+                <a:latin typeface="+mn-lt"/>
+                <a:ea typeface="+mn-ea"/>
+                <a:cs typeface="+mn-cs"/>
+              </a:defRPr>
+            </a:lvl9pPr>
+          </a:lstStyle>
+          <a:p>
+            <a:pPr algn="ctr"/>
+            <a:endParaRPr lang="zh-CN" altLang="en-US">
+              <a:solidFill>
+                <a:sysClr val="windowText" lastClr="000000"/>
+              </a:solidFill>
+            </a:endParaRPr>
+          </a:p>
+        </p:txBody>
+      </p:sp>
+      <p:sp>
+        <p:nvSpPr>
+          <p:cNvPr id="14" name="右箭头 58"/>
+          <p:cNvSpPr/>
+          <p:nvPr/>
+        </p:nvSpPr>
+        <p:spPr>
+          <a:xfrm>
+            <a:off x="2360537" y="2700765"/>
+            <a:ext cx="277021" cy="203463"/>
+          </a:xfrm>
+          <a:prstGeom prst="rightArrow">
+            <a:avLst/>
+          </a:prstGeom>
+          <a:solidFill>
+            <a:schemeClr val="bg1"/>
+          </a:solidFill>
+          <a:ln>
+            <a:solidFill>
+              <a:schemeClr val="tx1"/>
+            </a:solidFill>
+          </a:ln>
+        </p:spPr>
+        <p:style>
+          <a:lnRef idx="2">
+            <a:schemeClr val="accent1">
+              <a:shade val="50000"/>
+            </a:schemeClr>
+          </a:lnRef>
+          <a:fillRef idx="1">
+            <a:schemeClr val="accent1"/>
+          </a:fillRef>
+          <a:effectRef idx="0">
+            <a:schemeClr val="accent1"/>
+          </a:effectRef>
+          <a:fontRef idx="minor">
+            <a:schemeClr val="lt1"/>
+          </a:fontRef>
+        </p:style>
+        <p:txBody>
+          <a:bodyPr rtlCol="0" anchor="ctr"/>
+          <a:lstStyle>
+            <a:defPPr>
+              <a:defRPr lang="en-US"/>
+            </a:defPPr>
+            <a:lvl1pPr marL="0" algn="l" defTabSz="914400" rtl="0" eaLnBrk="1" latinLnBrk="0" hangingPunct="1">
+              <a:defRPr sz="1800" kern="1200">
+                <a:solidFill>
+                  <a:schemeClr val="lt1"/>
+                </a:solidFill>
+                <a:latin typeface="+mn-lt"/>
+                <a:ea typeface="+mn-ea"/>
+                <a:cs typeface="+mn-cs"/>
+              </a:defRPr>
+            </a:lvl1pPr>
+            <a:lvl2pPr marL="457200" algn="l" defTabSz="914400" rtl="0" eaLnBrk="1" latinLnBrk="0" hangingPunct="1">
+              <a:defRPr sz="1800" kern="1200">
+                <a:solidFill>
+                  <a:schemeClr val="lt1"/>
+                </a:solidFill>
+                <a:latin typeface="+mn-lt"/>
+                <a:ea typeface="+mn-ea"/>
+                <a:cs typeface="+mn-cs"/>
+              </a:defRPr>
+            </a:lvl2pPr>
+            <a:lvl3pPr marL="914400" algn="l" defTabSz="914400" rtl="0" eaLnBrk="1" latinLnBrk="0" hangingPunct="1">
+              <a:defRPr sz="1800" kern="1200">
+                <a:solidFill>
+                  <a:schemeClr val="lt1"/>
+                </a:solidFill>
+                <a:latin typeface="+mn-lt"/>
+                <a:ea typeface="+mn-ea"/>
+                <a:cs typeface="+mn-cs"/>
+              </a:defRPr>
+            </a:lvl3pPr>
+            <a:lvl4pPr marL="1371600" algn="l" defTabSz="914400" rtl="0" eaLnBrk="1" latinLnBrk="0" hangingPunct="1">
+              <a:defRPr sz="1800" kern="1200">
+                <a:solidFill>
+                  <a:schemeClr val="lt1"/>
+                </a:solidFill>
+                <a:latin typeface="+mn-lt"/>
+                <a:ea typeface="+mn-ea"/>
+                <a:cs typeface="+mn-cs"/>
+              </a:defRPr>
+            </a:lvl4pPr>
+            <a:lvl5pPr marL="1828800" algn="l" defTabSz="914400" rtl="0" eaLnBrk="1" latinLnBrk="0" hangingPunct="1">
+              <a:defRPr sz="1800" kern="1200">
+                <a:solidFill>
+                  <a:schemeClr val="lt1"/>
+                </a:solidFill>
+                <a:latin typeface="+mn-lt"/>
+                <a:ea typeface="+mn-ea"/>
+                <a:cs typeface="+mn-cs"/>
+              </a:defRPr>
+            </a:lvl5pPr>
+            <a:lvl6pPr marL="2286000" algn="l" defTabSz="914400" rtl="0" eaLnBrk="1" latinLnBrk="0" hangingPunct="1">
+              <a:defRPr sz="1800" kern="1200">
+                <a:solidFill>
+                  <a:schemeClr val="lt1"/>
+                </a:solidFill>
+                <a:latin typeface="+mn-lt"/>
+                <a:ea typeface="+mn-ea"/>
+                <a:cs typeface="+mn-cs"/>
+              </a:defRPr>
+            </a:lvl6pPr>
+            <a:lvl7pPr marL="2743200" algn="l" defTabSz="914400" rtl="0" eaLnBrk="1" latinLnBrk="0" hangingPunct="1">
+              <a:defRPr sz="1800" kern="1200">
+                <a:solidFill>
+                  <a:schemeClr val="lt1"/>
+                </a:solidFill>
+                <a:latin typeface="+mn-lt"/>
+                <a:ea typeface="+mn-ea"/>
+                <a:cs typeface="+mn-cs"/>
+              </a:defRPr>
+            </a:lvl7pPr>
+            <a:lvl8pPr marL="3200400" algn="l" defTabSz="914400" rtl="0" eaLnBrk="1" latinLnBrk="0" hangingPunct="1">
+              <a:defRPr sz="1800" kern="1200">
+                <a:solidFill>
+                  <a:schemeClr val="lt1"/>
+                </a:solidFill>
+                <a:latin typeface="+mn-lt"/>
+                <a:ea typeface="+mn-ea"/>
+                <a:cs typeface="+mn-cs"/>
+              </a:defRPr>
+            </a:lvl8pPr>
+            <a:lvl9pPr marL="3657600" algn="l" defTabSz="914400" rtl="0" eaLnBrk="1" latinLnBrk="0" hangingPunct="1">
+              <a:defRPr sz="1800" kern="1200">
+                <a:solidFill>
+                  <a:schemeClr val="lt1"/>
+                </a:solidFill>
+                <a:latin typeface="+mn-lt"/>
+                <a:ea typeface="+mn-ea"/>
+                <a:cs typeface="+mn-cs"/>
+              </a:defRPr>
+            </a:lvl9pPr>
+          </a:lstStyle>
+          <a:p>
+            <a:pPr algn="ctr"/>
+            <a:endParaRPr lang="zh-CN" altLang="en-US">
+              <a:solidFill>
+                <a:sysClr val="windowText" lastClr="000000"/>
+              </a:solidFill>
+            </a:endParaRPr>
+          </a:p>
+        </p:txBody>
+      </p:sp>
+      <p:sp>
+        <p:nvSpPr>
+          <p:cNvPr id="30" name="右箭头 58"/>
+          <p:cNvSpPr/>
+          <p:nvPr/>
+        </p:nvSpPr>
+        <p:spPr>
+          <a:xfrm>
+            <a:off x="3956424" y="2609962"/>
+            <a:ext cx="1563507" cy="203463"/>
+          </a:xfrm>
+          <a:prstGeom prst="rightArrow">
+            <a:avLst/>
+          </a:prstGeom>
+          <a:solidFill>
+            <a:schemeClr val="bg1"/>
+          </a:solidFill>
+          <a:ln>
+            <a:solidFill>
+              <a:schemeClr val="tx1"/>
+            </a:solidFill>
+          </a:ln>
+        </p:spPr>
+        <p:style>
+          <a:lnRef idx="2">
+            <a:schemeClr val="accent1">
+              <a:shade val="50000"/>
+            </a:schemeClr>
+          </a:lnRef>
+          <a:fillRef idx="1">
+            <a:schemeClr val="accent1"/>
+          </a:fillRef>
+          <a:effectRef idx="0">
+            <a:schemeClr val="accent1"/>
+          </a:effectRef>
+          <a:fontRef idx="minor">
+            <a:schemeClr val="lt1"/>
+          </a:fontRef>
+        </p:style>
+        <p:txBody>
+          <a:bodyPr rtlCol="0" anchor="ctr"/>
+          <a:lstStyle>
+            <a:defPPr>
+              <a:defRPr lang="en-US"/>
+            </a:defPPr>
+            <a:lvl1pPr marL="0" algn="l" defTabSz="914400" rtl="0" eaLnBrk="1" latinLnBrk="0" hangingPunct="1">
+              <a:defRPr sz="1800" kern="1200">
+                <a:solidFill>
+                  <a:schemeClr val="lt1"/>
+                </a:solidFill>
+                <a:latin typeface="+mn-lt"/>
+                <a:ea typeface="+mn-ea"/>
+                <a:cs typeface="+mn-cs"/>
+              </a:defRPr>
+            </a:lvl1pPr>
+            <a:lvl2pPr marL="457200" algn="l" defTabSz="914400" rtl="0" eaLnBrk="1" latinLnBrk="0" hangingPunct="1">
+              <a:defRPr sz="1800" kern="1200">
+                <a:solidFill>
+                  <a:schemeClr val="lt1"/>
+                </a:solidFill>
+                <a:latin typeface="+mn-lt"/>
+                <a:ea typeface="+mn-ea"/>
+                <a:cs typeface="+mn-cs"/>
+              </a:defRPr>
+            </a:lvl2pPr>
+            <a:lvl3pPr marL="914400" algn="l" defTabSz="914400" rtl="0" eaLnBrk="1" latinLnBrk="0" hangingPunct="1">
+              <a:defRPr sz="1800" kern="1200">
+                <a:solidFill>
+                  <a:schemeClr val="lt1"/>
+                </a:solidFill>
+                <a:latin typeface="+mn-lt"/>
+                <a:ea typeface="+mn-ea"/>
+                <a:cs typeface="+mn-cs"/>
+              </a:defRPr>
+            </a:lvl3pPr>
+            <a:lvl4pPr marL="1371600" algn="l" defTabSz="914400" rtl="0" eaLnBrk="1" latinLnBrk="0" hangingPunct="1">
+              <a:defRPr sz="1800" kern="1200">
+                <a:solidFill>
+                  <a:schemeClr val="lt1"/>
+                </a:solidFill>
+                <a:latin typeface="+mn-lt"/>
+                <a:ea typeface="+mn-ea"/>
+                <a:cs typeface="+mn-cs"/>
+              </a:defRPr>
+            </a:lvl4pPr>
+            <a:lvl5pPr marL="1828800" algn="l" defTabSz="914400" rtl="0" eaLnBrk="1" latinLnBrk="0" hangingPunct="1">
+              <a:defRPr sz="1800" kern="1200">
+                <a:solidFill>
+                  <a:schemeClr val="lt1"/>
+                </a:solidFill>
+                <a:latin typeface="+mn-lt"/>
+                <a:ea typeface="+mn-ea"/>
+                <a:cs typeface="+mn-cs"/>
+              </a:defRPr>
+            </a:lvl5pPr>
+            <a:lvl6pPr marL="2286000" algn="l" defTabSz="914400" rtl="0" eaLnBrk="1" latinLnBrk="0" hangingPunct="1">
+              <a:defRPr sz="1800" kern="1200">
+                <a:solidFill>
+                  <a:schemeClr val="lt1"/>
+                </a:solidFill>
+                <a:latin typeface="+mn-lt"/>
+                <a:ea typeface="+mn-ea"/>
+                <a:cs typeface="+mn-cs"/>
+              </a:defRPr>
+            </a:lvl6pPr>
+            <a:lvl7pPr marL="2743200" algn="l" defTabSz="914400" rtl="0" eaLnBrk="1" latinLnBrk="0" hangingPunct="1">
+              <a:defRPr sz="1800" kern="1200">
+                <a:solidFill>
+                  <a:schemeClr val="lt1"/>
+                </a:solidFill>
+                <a:latin typeface="+mn-lt"/>
+                <a:ea typeface="+mn-ea"/>
+                <a:cs typeface="+mn-cs"/>
+              </a:defRPr>
+            </a:lvl7pPr>
+            <a:lvl8pPr marL="3200400" algn="l" defTabSz="914400" rtl="0" eaLnBrk="1" latinLnBrk="0" hangingPunct="1">
+              <a:defRPr sz="1800" kern="1200">
+                <a:solidFill>
+                  <a:schemeClr val="lt1"/>
+                </a:solidFill>
+                <a:latin typeface="+mn-lt"/>
+                <a:ea typeface="+mn-ea"/>
+                <a:cs typeface="+mn-cs"/>
+              </a:defRPr>
+            </a:lvl8pPr>
+            <a:lvl9pPr marL="3657600" algn="l" defTabSz="914400" rtl="0" eaLnBrk="1" latinLnBrk="0" hangingPunct="1">
+              <a:defRPr sz="1800" kern="1200">
+                <a:solidFill>
+                  <a:schemeClr val="lt1"/>
+                </a:solidFill>
+                <a:latin typeface="+mn-lt"/>
+                <a:ea typeface="+mn-ea"/>
+                <a:cs typeface="+mn-cs"/>
+              </a:defRPr>
+            </a:lvl9pPr>
+          </a:lstStyle>
+          <a:p>
+            <a:pPr algn="ctr"/>
+            <a:endParaRPr lang="zh-CN" altLang="en-US">
+              <a:solidFill>
+                <a:sysClr val="windowText" lastClr="000000"/>
+              </a:solidFill>
+            </a:endParaRPr>
+          </a:p>
+        </p:txBody>
+      </p:sp>
+      <p:sp>
+        <p:nvSpPr>
+          <p:cNvPr id="32" name="矩形 13"/>
+          <p:cNvSpPr/>
+          <p:nvPr/>
+        </p:nvSpPr>
+        <p:spPr>
+          <a:xfrm>
+            <a:off x="1139822" y="2001001"/>
+            <a:ext cx="1120945" cy="409476"/>
+          </a:xfrm>
+          <a:prstGeom prst="rect">
+            <a:avLst/>
+          </a:prstGeom>
+          <a:solidFill>
+            <a:schemeClr val="bg1"/>
+          </a:solidFill>
+          <a:ln>
+            <a:solidFill>
+              <a:schemeClr val="tx1"/>
+            </a:solidFill>
+          </a:ln>
+        </p:spPr>
+        <p:style>
+          <a:lnRef idx="1">
+            <a:schemeClr val="accent3"/>
+          </a:lnRef>
+          <a:fillRef idx="2">
+            <a:schemeClr val="accent3"/>
+          </a:fillRef>
+          <a:effectRef idx="1">
+            <a:schemeClr val="accent3"/>
+          </a:effectRef>
+          <a:fontRef idx="minor">
+            <a:schemeClr val="dk1"/>
+          </a:fontRef>
+        </p:style>
+        <p:txBody>
+          <a:bodyPr rtlCol="0" anchor="ctr"/>
+          <a:lstStyle>
+            <a:defPPr>
+              <a:defRPr lang="en-US"/>
+            </a:defPPr>
+            <a:lvl1pPr marL="0" algn="l" defTabSz="914400" rtl="0" eaLnBrk="1" latinLnBrk="0" hangingPunct="1">
+              <a:defRPr sz="1800" kern="1200">
+                <a:solidFill>
+                  <a:schemeClr val="dk1"/>
+                </a:solidFill>
+                <a:latin typeface="+mn-lt"/>
+                <a:ea typeface="+mn-ea"/>
+                <a:cs typeface="+mn-cs"/>
+              </a:defRPr>
+            </a:lvl1pPr>
+            <a:lvl2pPr marL="457200" algn="l" defTabSz="914400" rtl="0" eaLnBrk="1" latinLnBrk="0" hangingPunct="1">
+              <a:defRPr sz="1800" kern="1200">
+                <a:solidFill>
+                  <a:schemeClr val="dk1"/>
+                </a:solidFill>
+                <a:latin typeface="+mn-lt"/>
+                <a:ea typeface="+mn-ea"/>
+                <a:cs typeface="+mn-cs"/>
+              </a:defRPr>
+            </a:lvl2pPr>
+            <a:lvl3pPr marL="914400" algn="l" defTabSz="914400" rtl="0" eaLnBrk="1" latinLnBrk="0" hangingPunct="1">
+              <a:defRPr sz="1800" kern="1200">
+                <a:solidFill>
+                  <a:schemeClr val="dk1"/>
+                </a:solidFill>
+                <a:latin typeface="+mn-lt"/>
+                <a:ea typeface="+mn-ea"/>
+                <a:cs typeface="+mn-cs"/>
+              </a:defRPr>
+            </a:lvl3pPr>
+            <a:lvl4pPr marL="1371600" algn="l" defTabSz="914400" rtl="0" eaLnBrk="1" latinLnBrk="0" hangingPunct="1">
+              <a:defRPr sz="1800" kern="1200">
+                <a:solidFill>
+                  <a:schemeClr val="dk1"/>
+                </a:solidFill>
+                <a:latin typeface="+mn-lt"/>
+                <a:ea typeface="+mn-ea"/>
+                <a:cs typeface="+mn-cs"/>
+              </a:defRPr>
+            </a:lvl4pPr>
+            <a:lvl5pPr marL="1828800" algn="l" defTabSz="914400" rtl="0" eaLnBrk="1" latinLnBrk="0" hangingPunct="1">
+              <a:defRPr sz="1800" kern="1200">
+                <a:solidFill>
+                  <a:schemeClr val="dk1"/>
+                </a:solidFill>
+                <a:latin typeface="+mn-lt"/>
+                <a:ea typeface="+mn-ea"/>
+                <a:cs typeface="+mn-cs"/>
+              </a:defRPr>
+            </a:lvl5pPr>
+            <a:lvl6pPr marL="2286000" algn="l" defTabSz="914400" rtl="0" eaLnBrk="1" latinLnBrk="0" hangingPunct="1">
+              <a:defRPr sz="1800" kern="1200">
+                <a:solidFill>
+                  <a:schemeClr val="dk1"/>
+                </a:solidFill>
+                <a:latin typeface="+mn-lt"/>
+                <a:ea typeface="+mn-ea"/>
+                <a:cs typeface="+mn-cs"/>
+              </a:defRPr>
+            </a:lvl6pPr>
+            <a:lvl7pPr marL="2743200" algn="l" defTabSz="914400" rtl="0" eaLnBrk="1" latinLnBrk="0" hangingPunct="1">
+              <a:defRPr sz="1800" kern="1200">
+                <a:solidFill>
+                  <a:schemeClr val="dk1"/>
+                </a:solidFill>
+                <a:latin typeface="+mn-lt"/>
+                <a:ea typeface="+mn-ea"/>
+                <a:cs typeface="+mn-cs"/>
+              </a:defRPr>
+            </a:lvl7pPr>
+            <a:lvl8pPr marL="3200400" algn="l" defTabSz="914400" rtl="0" eaLnBrk="1" latinLnBrk="0" hangingPunct="1">
+              <a:defRPr sz="1800" kern="1200">
+                <a:solidFill>
+                  <a:schemeClr val="dk1"/>
+                </a:solidFill>
+                <a:latin typeface="+mn-lt"/>
+                <a:ea typeface="+mn-ea"/>
+                <a:cs typeface="+mn-cs"/>
+              </a:defRPr>
+            </a:lvl8pPr>
+            <a:lvl9pPr marL="3657600" algn="l" defTabSz="914400" rtl="0" eaLnBrk="1" latinLnBrk="0" hangingPunct="1">
+              <a:defRPr sz="1800" kern="1200">
+                <a:solidFill>
+                  <a:schemeClr val="dk1"/>
+                </a:solidFill>
+                <a:latin typeface="+mn-lt"/>
+                <a:ea typeface="+mn-ea"/>
+                <a:cs typeface="+mn-cs"/>
+              </a:defRPr>
+            </a:lvl9pPr>
+          </a:lstStyle>
+          <a:p>
+            <a:pPr algn="ctr"/>
+            <a:r>
+              <a:rPr lang="zh-CN" altLang="en-US" dirty="0" smtClean="0">
+                <a:solidFill>
+                  <a:sysClr val="windowText" lastClr="000000"/>
+                </a:solidFill>
+              </a:rPr>
+              <a:t>源代码</a:t>
+            </a:r>
+            <a:endParaRPr lang="zh-CN" altLang="en-US" dirty="0">
+              <a:solidFill>
+                <a:sysClr val="windowText" lastClr="000000"/>
+              </a:solidFill>
+            </a:endParaRPr>
+          </a:p>
+        </p:txBody>
+      </p:sp>
+      <p:sp>
+        <p:nvSpPr>
+          <p:cNvPr id="33" name="右箭头 58"/>
+          <p:cNvSpPr/>
+          <p:nvPr/>
+        </p:nvSpPr>
+        <p:spPr>
+          <a:xfrm>
+            <a:off x="2360537" y="2104007"/>
+            <a:ext cx="277021" cy="203463"/>
+          </a:xfrm>
+          <a:prstGeom prst="rightArrow">
+            <a:avLst/>
+          </a:prstGeom>
+          <a:solidFill>
+            <a:schemeClr val="bg1"/>
+          </a:solidFill>
+          <a:ln>
+            <a:solidFill>
+              <a:schemeClr val="tx1"/>
+            </a:solidFill>
+          </a:ln>
+        </p:spPr>
+        <p:style>
+          <a:lnRef idx="2">
+            <a:schemeClr val="accent1">
+              <a:shade val="50000"/>
+            </a:schemeClr>
+          </a:lnRef>
+          <a:fillRef idx="1">
+            <a:schemeClr val="accent1"/>
+          </a:fillRef>
+          <a:effectRef idx="0">
+            <a:schemeClr val="accent1"/>
+          </a:effectRef>
+          <a:fontRef idx="minor">
+            <a:schemeClr val="lt1"/>
+          </a:fontRef>
+        </p:style>
+        <p:txBody>
+          <a:bodyPr rtlCol="0" anchor="ctr"/>
+          <a:lstStyle>
+            <a:defPPr>
+              <a:defRPr lang="en-US"/>
+            </a:defPPr>
+            <a:lvl1pPr marL="0" algn="l" defTabSz="914400" rtl="0" eaLnBrk="1" latinLnBrk="0" hangingPunct="1">
+              <a:defRPr sz="1800" kern="1200">
+                <a:solidFill>
+                  <a:schemeClr val="lt1"/>
+                </a:solidFill>
+                <a:latin typeface="+mn-lt"/>
+                <a:ea typeface="+mn-ea"/>
+                <a:cs typeface="+mn-cs"/>
+              </a:defRPr>
+            </a:lvl1pPr>
+            <a:lvl2pPr marL="457200" algn="l" defTabSz="914400" rtl="0" eaLnBrk="1" latinLnBrk="0" hangingPunct="1">
+              <a:defRPr sz="1800" kern="1200">
+                <a:solidFill>
+                  <a:schemeClr val="lt1"/>
+                </a:solidFill>
+                <a:latin typeface="+mn-lt"/>
+                <a:ea typeface="+mn-ea"/>
+                <a:cs typeface="+mn-cs"/>
+              </a:defRPr>
+            </a:lvl2pPr>
+            <a:lvl3pPr marL="914400" algn="l" defTabSz="914400" rtl="0" eaLnBrk="1" latinLnBrk="0" hangingPunct="1">
+              <a:defRPr sz="1800" kern="1200">
+                <a:solidFill>
+                  <a:schemeClr val="lt1"/>
+                </a:solidFill>
+                <a:latin typeface="+mn-lt"/>
+                <a:ea typeface="+mn-ea"/>
+                <a:cs typeface="+mn-cs"/>
+              </a:defRPr>
+            </a:lvl3pPr>
+            <a:lvl4pPr marL="1371600" algn="l" defTabSz="914400" rtl="0" eaLnBrk="1" latinLnBrk="0" hangingPunct="1">
+              <a:defRPr sz="1800" kern="1200">
+                <a:solidFill>
+                  <a:schemeClr val="lt1"/>
+                </a:solidFill>
+                <a:latin typeface="+mn-lt"/>
+                <a:ea typeface="+mn-ea"/>
+                <a:cs typeface="+mn-cs"/>
+              </a:defRPr>
+            </a:lvl4pPr>
+            <a:lvl5pPr marL="1828800" algn="l" defTabSz="914400" rtl="0" eaLnBrk="1" latinLnBrk="0" hangingPunct="1">
+              <a:defRPr sz="1800" kern="1200">
+                <a:solidFill>
+                  <a:schemeClr val="lt1"/>
+                </a:solidFill>
+                <a:latin typeface="+mn-lt"/>
+                <a:ea typeface="+mn-ea"/>
+                <a:cs typeface="+mn-cs"/>
+              </a:defRPr>
+            </a:lvl5pPr>
+            <a:lvl6pPr marL="2286000" algn="l" defTabSz="914400" rtl="0" eaLnBrk="1" latinLnBrk="0" hangingPunct="1">
+              <a:defRPr sz="1800" kern="1200">
+                <a:solidFill>
+                  <a:schemeClr val="lt1"/>
+                </a:solidFill>
+                <a:latin typeface="+mn-lt"/>
+                <a:ea typeface="+mn-ea"/>
+                <a:cs typeface="+mn-cs"/>
+              </a:defRPr>
+            </a:lvl6pPr>
+            <a:lvl7pPr marL="2743200" algn="l" defTabSz="914400" rtl="0" eaLnBrk="1" latinLnBrk="0" hangingPunct="1">
+              <a:defRPr sz="1800" kern="1200">
+                <a:solidFill>
+                  <a:schemeClr val="lt1"/>
+                </a:solidFill>
+                <a:latin typeface="+mn-lt"/>
+                <a:ea typeface="+mn-ea"/>
+                <a:cs typeface="+mn-cs"/>
+              </a:defRPr>
+            </a:lvl7pPr>
+            <a:lvl8pPr marL="3200400" algn="l" defTabSz="914400" rtl="0" eaLnBrk="1" latinLnBrk="0" hangingPunct="1">
+              <a:defRPr sz="1800" kern="1200">
+                <a:solidFill>
+                  <a:schemeClr val="lt1"/>
+                </a:solidFill>
+                <a:latin typeface="+mn-lt"/>
+                <a:ea typeface="+mn-ea"/>
+                <a:cs typeface="+mn-cs"/>
+              </a:defRPr>
+            </a:lvl8pPr>
+            <a:lvl9pPr marL="3657600" algn="l" defTabSz="914400" rtl="0" eaLnBrk="1" latinLnBrk="0" hangingPunct="1">
+              <a:defRPr sz="1800" kern="1200">
+                <a:solidFill>
+                  <a:schemeClr val="lt1"/>
+                </a:solidFill>
+                <a:latin typeface="+mn-lt"/>
+                <a:ea typeface="+mn-ea"/>
+                <a:cs typeface="+mn-cs"/>
+              </a:defRPr>
+            </a:lvl9pPr>
+          </a:lstStyle>
+          <a:p>
+            <a:pPr algn="ctr"/>
+            <a:endParaRPr lang="zh-CN" altLang="en-US">
+              <a:solidFill>
+                <a:sysClr val="windowText" lastClr="000000"/>
+              </a:solidFill>
+            </a:endParaRPr>
+          </a:p>
+        </p:txBody>
+      </p:sp>
+      <p:sp>
+        <p:nvSpPr>
+          <p:cNvPr id="34" name="矩形 60"/>
+          <p:cNvSpPr/>
+          <p:nvPr/>
+        </p:nvSpPr>
+        <p:spPr>
+          <a:xfrm>
+            <a:off x="2760750" y="2482419"/>
+            <a:ext cx="1019758" cy="433333"/>
+          </a:xfrm>
+          <a:prstGeom prst="rect">
+            <a:avLst/>
+          </a:prstGeom>
+          <a:solidFill>
+            <a:schemeClr val="bg1"/>
+          </a:solidFill>
+          <a:ln>
+            <a:solidFill>
+              <a:schemeClr val="tx1"/>
+            </a:solidFill>
+          </a:ln>
+        </p:spPr>
+        <p:style>
+          <a:lnRef idx="1">
+            <a:schemeClr val="accent3"/>
+          </a:lnRef>
+          <a:fillRef idx="2">
+            <a:schemeClr val="accent3"/>
+          </a:fillRef>
+          <a:effectRef idx="1">
+            <a:schemeClr val="accent3"/>
+          </a:effectRef>
+          <a:fontRef idx="minor">
+            <a:schemeClr val="dk1"/>
+          </a:fontRef>
+        </p:style>
+        <p:txBody>
+          <a:bodyPr rtlCol="0" anchor="ctr"/>
+          <a:lstStyle>
+            <a:defPPr>
+              <a:defRPr lang="en-US"/>
+            </a:defPPr>
+            <a:lvl1pPr marL="0" algn="l" defTabSz="914400" rtl="0" eaLnBrk="1" latinLnBrk="0" hangingPunct="1">
+              <a:defRPr sz="1800" kern="1200">
+                <a:solidFill>
+                  <a:schemeClr val="dk1"/>
+                </a:solidFill>
+                <a:latin typeface="+mn-lt"/>
+                <a:ea typeface="+mn-ea"/>
+                <a:cs typeface="+mn-cs"/>
+              </a:defRPr>
+            </a:lvl1pPr>
+            <a:lvl2pPr marL="457200" algn="l" defTabSz="914400" rtl="0" eaLnBrk="1" latinLnBrk="0" hangingPunct="1">
+              <a:defRPr sz="1800" kern="1200">
+                <a:solidFill>
+                  <a:schemeClr val="dk1"/>
+                </a:solidFill>
+                <a:latin typeface="+mn-lt"/>
+                <a:ea typeface="+mn-ea"/>
+                <a:cs typeface="+mn-cs"/>
+              </a:defRPr>
+            </a:lvl2pPr>
+            <a:lvl3pPr marL="914400" algn="l" defTabSz="914400" rtl="0" eaLnBrk="1" latinLnBrk="0" hangingPunct="1">
+              <a:defRPr sz="1800" kern="1200">
+                <a:solidFill>
+                  <a:schemeClr val="dk1"/>
+                </a:solidFill>
+                <a:latin typeface="+mn-lt"/>
+                <a:ea typeface="+mn-ea"/>
+                <a:cs typeface="+mn-cs"/>
+              </a:defRPr>
+            </a:lvl3pPr>
+            <a:lvl4pPr marL="1371600" algn="l" defTabSz="914400" rtl="0" eaLnBrk="1" latinLnBrk="0" hangingPunct="1">
+              <a:defRPr sz="1800" kern="1200">
+                <a:solidFill>
+                  <a:schemeClr val="dk1"/>
+                </a:solidFill>
+                <a:latin typeface="+mn-lt"/>
+                <a:ea typeface="+mn-ea"/>
+                <a:cs typeface="+mn-cs"/>
+              </a:defRPr>
+            </a:lvl4pPr>
+            <a:lvl5pPr marL="1828800" algn="l" defTabSz="914400" rtl="0" eaLnBrk="1" latinLnBrk="0" hangingPunct="1">
+              <a:defRPr sz="1800" kern="1200">
+                <a:solidFill>
+                  <a:schemeClr val="dk1"/>
+                </a:solidFill>
+                <a:latin typeface="+mn-lt"/>
+                <a:ea typeface="+mn-ea"/>
+                <a:cs typeface="+mn-cs"/>
+              </a:defRPr>
+            </a:lvl5pPr>
+            <a:lvl6pPr marL="2286000" algn="l" defTabSz="914400" rtl="0" eaLnBrk="1" latinLnBrk="0" hangingPunct="1">
+              <a:defRPr sz="1800" kern="1200">
+                <a:solidFill>
+                  <a:schemeClr val="dk1"/>
+                </a:solidFill>
+                <a:latin typeface="+mn-lt"/>
+                <a:ea typeface="+mn-ea"/>
+                <a:cs typeface="+mn-cs"/>
+              </a:defRPr>
+            </a:lvl6pPr>
+            <a:lvl7pPr marL="2743200" algn="l" defTabSz="914400" rtl="0" eaLnBrk="1" latinLnBrk="0" hangingPunct="1">
+              <a:defRPr sz="1800" kern="1200">
+                <a:solidFill>
+                  <a:schemeClr val="dk1"/>
+                </a:solidFill>
+                <a:latin typeface="+mn-lt"/>
+                <a:ea typeface="+mn-ea"/>
+                <a:cs typeface="+mn-cs"/>
+              </a:defRPr>
+            </a:lvl7pPr>
+            <a:lvl8pPr marL="3200400" algn="l" defTabSz="914400" rtl="0" eaLnBrk="1" latinLnBrk="0" hangingPunct="1">
+              <a:defRPr sz="1800" kern="1200">
+                <a:solidFill>
+                  <a:schemeClr val="dk1"/>
+                </a:solidFill>
+                <a:latin typeface="+mn-lt"/>
+                <a:ea typeface="+mn-ea"/>
+                <a:cs typeface="+mn-cs"/>
+              </a:defRPr>
+            </a:lvl8pPr>
+            <a:lvl9pPr marL="3657600" algn="l" defTabSz="914400" rtl="0" eaLnBrk="1" latinLnBrk="0" hangingPunct="1">
+              <a:defRPr sz="1800" kern="1200">
+                <a:solidFill>
+                  <a:schemeClr val="dk1"/>
+                </a:solidFill>
+                <a:latin typeface="+mn-lt"/>
+                <a:ea typeface="+mn-ea"/>
+                <a:cs typeface="+mn-cs"/>
+              </a:defRPr>
+            </a:lvl9pPr>
+          </a:lstStyle>
+          <a:p>
+            <a:pPr algn="ctr"/>
+            <a:r>
+              <a:rPr lang="zh-CN" altLang="en-US" sz="1200" dirty="0" smtClean="0">
+                <a:solidFill>
+                  <a:sysClr val="windowText" lastClr="000000"/>
+                </a:solidFill>
+              </a:rPr>
+              <a:t>基于</a:t>
+            </a:r>
+            <a:r>
+              <a:rPr lang="en-US" altLang="zh-CN" sz="1200" dirty="0" smtClean="0">
+                <a:solidFill>
+                  <a:sysClr val="windowText" lastClr="000000"/>
+                </a:solidFill>
+              </a:rPr>
+              <a:t>WALA</a:t>
+            </a:r>
+            <a:r>
+              <a:rPr lang="zh-CN" altLang="en-US" sz="1200" dirty="0" smtClean="0">
+                <a:solidFill>
+                  <a:sysClr val="windowText" lastClr="000000"/>
+                </a:solidFill>
+              </a:rPr>
+              <a:t>的路径收集器</a:t>
+            </a:r>
+            <a:endParaRPr lang="en-US" altLang="zh-CN" sz="1200" dirty="0" smtClean="0">
+              <a:solidFill>
+                <a:sysClr val="windowText" lastClr="000000"/>
+              </a:solidFill>
+            </a:endParaRPr>
+          </a:p>
+        </p:txBody>
+      </p:sp>
+      <p:sp>
+        <p:nvSpPr>
+          <p:cNvPr id="35" name="矩形 60"/>
+          <p:cNvSpPr/>
+          <p:nvPr/>
+        </p:nvSpPr>
+        <p:spPr>
+          <a:xfrm>
+            <a:off x="4105637" y="3163802"/>
+            <a:ext cx="1321053" cy="259343"/>
+          </a:xfrm>
+          <a:prstGeom prst="rect">
+            <a:avLst/>
+          </a:prstGeom>
+          <a:solidFill>
+            <a:schemeClr val="bg1"/>
+          </a:solidFill>
+          <a:ln>
+            <a:solidFill>
+              <a:schemeClr val="bg1"/>
+            </a:solidFill>
+          </a:ln>
+        </p:spPr>
+        <p:style>
+          <a:lnRef idx="1">
+            <a:schemeClr val="accent3"/>
+          </a:lnRef>
+          <a:fillRef idx="2">
+            <a:schemeClr val="accent3"/>
+          </a:fillRef>
+          <a:effectRef idx="1">
+            <a:schemeClr val="accent3"/>
+          </a:effectRef>
+          <a:fontRef idx="minor">
+            <a:schemeClr val="dk1"/>
+          </a:fontRef>
+        </p:style>
+        <p:txBody>
+          <a:bodyPr rtlCol="0" anchor="ctr"/>
+          <a:lstStyle>
+            <a:defPPr>
+              <a:defRPr lang="en-US"/>
+            </a:defPPr>
+            <a:lvl1pPr marL="0" algn="l" defTabSz="914400" rtl="0" eaLnBrk="1" latinLnBrk="0" hangingPunct="1">
+              <a:defRPr sz="1800" kern="1200">
+                <a:solidFill>
+                  <a:schemeClr val="dk1"/>
+                </a:solidFill>
+                <a:latin typeface="+mn-lt"/>
+                <a:ea typeface="+mn-ea"/>
+                <a:cs typeface="+mn-cs"/>
+              </a:defRPr>
+            </a:lvl1pPr>
+            <a:lvl2pPr marL="457200" algn="l" defTabSz="914400" rtl="0" eaLnBrk="1" latinLnBrk="0" hangingPunct="1">
+              <a:defRPr sz="1800" kern="1200">
+                <a:solidFill>
+                  <a:schemeClr val="dk1"/>
+                </a:solidFill>
+                <a:latin typeface="+mn-lt"/>
+                <a:ea typeface="+mn-ea"/>
+                <a:cs typeface="+mn-cs"/>
+              </a:defRPr>
+            </a:lvl2pPr>
+            <a:lvl3pPr marL="914400" algn="l" defTabSz="914400" rtl="0" eaLnBrk="1" latinLnBrk="0" hangingPunct="1">
+              <a:defRPr sz="1800" kern="1200">
+                <a:solidFill>
+                  <a:schemeClr val="dk1"/>
+                </a:solidFill>
+                <a:latin typeface="+mn-lt"/>
+                <a:ea typeface="+mn-ea"/>
+                <a:cs typeface="+mn-cs"/>
+              </a:defRPr>
+            </a:lvl3pPr>
+            <a:lvl4pPr marL="1371600" algn="l" defTabSz="914400" rtl="0" eaLnBrk="1" latinLnBrk="0" hangingPunct="1">
+              <a:defRPr sz="1800" kern="1200">
+                <a:solidFill>
+                  <a:schemeClr val="dk1"/>
+                </a:solidFill>
+                <a:latin typeface="+mn-lt"/>
+                <a:ea typeface="+mn-ea"/>
+                <a:cs typeface="+mn-cs"/>
+              </a:defRPr>
+            </a:lvl4pPr>
+            <a:lvl5pPr marL="1828800" algn="l" defTabSz="914400" rtl="0" eaLnBrk="1" latinLnBrk="0" hangingPunct="1">
+              <a:defRPr sz="1800" kern="1200">
+                <a:solidFill>
+                  <a:schemeClr val="dk1"/>
+                </a:solidFill>
+                <a:latin typeface="+mn-lt"/>
+                <a:ea typeface="+mn-ea"/>
+                <a:cs typeface="+mn-cs"/>
+              </a:defRPr>
+            </a:lvl5pPr>
+            <a:lvl6pPr marL="2286000" algn="l" defTabSz="914400" rtl="0" eaLnBrk="1" latinLnBrk="0" hangingPunct="1">
+              <a:defRPr sz="1800" kern="1200">
+                <a:solidFill>
+                  <a:schemeClr val="dk1"/>
+                </a:solidFill>
+                <a:latin typeface="+mn-lt"/>
+                <a:ea typeface="+mn-ea"/>
+                <a:cs typeface="+mn-cs"/>
+              </a:defRPr>
+            </a:lvl6pPr>
+            <a:lvl7pPr marL="2743200" algn="l" defTabSz="914400" rtl="0" eaLnBrk="1" latinLnBrk="0" hangingPunct="1">
+              <a:defRPr sz="1800" kern="1200">
+                <a:solidFill>
+                  <a:schemeClr val="dk1"/>
+                </a:solidFill>
+                <a:latin typeface="+mn-lt"/>
+                <a:ea typeface="+mn-ea"/>
+                <a:cs typeface="+mn-cs"/>
+              </a:defRPr>
+            </a:lvl7pPr>
+            <a:lvl8pPr marL="3200400" algn="l" defTabSz="914400" rtl="0" eaLnBrk="1" latinLnBrk="0" hangingPunct="1">
+              <a:defRPr sz="1800" kern="1200">
+                <a:solidFill>
+                  <a:schemeClr val="dk1"/>
+                </a:solidFill>
+                <a:latin typeface="+mn-lt"/>
+                <a:ea typeface="+mn-ea"/>
+                <a:cs typeface="+mn-cs"/>
+              </a:defRPr>
+            </a:lvl8pPr>
+            <a:lvl9pPr marL="3657600" algn="l" defTabSz="914400" rtl="0" eaLnBrk="1" latinLnBrk="0" hangingPunct="1">
+              <a:defRPr sz="1800" kern="1200">
+                <a:solidFill>
+                  <a:schemeClr val="dk1"/>
+                </a:solidFill>
+                <a:latin typeface="+mn-lt"/>
+                <a:ea typeface="+mn-ea"/>
+                <a:cs typeface="+mn-cs"/>
+              </a:defRPr>
+            </a:lvl9pPr>
+          </a:lstStyle>
+          <a:p>
+            <a:pPr algn="ctr"/>
+            <a:r>
+              <a:rPr lang="zh-CN" altLang="en-US" sz="1400" dirty="0" smtClean="0">
+                <a:solidFill>
+                  <a:sysClr val="windowText" lastClr="000000"/>
+                </a:solidFill>
+              </a:rPr>
+              <a:t>候选修</a:t>
+            </a:r>
+            <a:r>
+              <a:rPr lang="zh-CN" altLang="en-US" sz="1400" dirty="0">
+                <a:solidFill>
+                  <a:sysClr val="windowText" lastClr="000000"/>
+                </a:solidFill>
+              </a:rPr>
+              <a:t>改建议</a:t>
+            </a:r>
+            <a:endParaRPr lang="en-US" altLang="zh-CN" sz="1400" dirty="0" smtClean="0">
+              <a:solidFill>
+                <a:sysClr val="windowText" lastClr="000000"/>
+              </a:solidFill>
+            </a:endParaRPr>
+          </a:p>
+        </p:txBody>
+      </p:sp>
+      <p:sp>
+        <p:nvSpPr>
+          <p:cNvPr id="36" name="右箭头 58"/>
+          <p:cNvSpPr/>
+          <p:nvPr/>
+        </p:nvSpPr>
+        <p:spPr>
+          <a:xfrm rot="10800000">
+            <a:off x="2336633" y="3393265"/>
+            <a:ext cx="277021" cy="203463"/>
+          </a:xfrm>
+          <a:prstGeom prst="rightArrow">
+            <a:avLst/>
+          </a:prstGeom>
+          <a:solidFill>
+            <a:schemeClr val="bg1"/>
+          </a:solidFill>
+          <a:ln>
+            <a:solidFill>
+              <a:schemeClr val="tx1"/>
+            </a:solidFill>
+          </a:ln>
+        </p:spPr>
+        <p:style>
+          <a:lnRef idx="2">
+            <a:schemeClr val="accent1">
+              <a:shade val="50000"/>
+            </a:schemeClr>
+          </a:lnRef>
+          <a:fillRef idx="1">
+            <a:schemeClr val="accent1"/>
+          </a:fillRef>
+          <a:effectRef idx="0">
+            <a:schemeClr val="accent1"/>
+          </a:effectRef>
+          <a:fontRef idx="minor">
+            <a:schemeClr val="lt1"/>
+          </a:fontRef>
+        </p:style>
+        <p:txBody>
+          <a:bodyPr rtlCol="0" anchor="ctr"/>
+          <a:lstStyle>
+            <a:defPPr>
+              <a:defRPr lang="en-US"/>
+            </a:defPPr>
+            <a:lvl1pPr marL="0" algn="l" defTabSz="914400" rtl="0" eaLnBrk="1" latinLnBrk="0" hangingPunct="1">
+              <a:defRPr sz="1800" kern="1200">
+                <a:solidFill>
+                  <a:schemeClr val="lt1"/>
+                </a:solidFill>
+                <a:latin typeface="+mn-lt"/>
+                <a:ea typeface="+mn-ea"/>
+                <a:cs typeface="+mn-cs"/>
+              </a:defRPr>
+            </a:lvl1pPr>
+            <a:lvl2pPr marL="457200" algn="l" defTabSz="914400" rtl="0" eaLnBrk="1" latinLnBrk="0" hangingPunct="1">
+              <a:defRPr sz="1800" kern="1200">
+                <a:solidFill>
+                  <a:schemeClr val="lt1"/>
+                </a:solidFill>
+                <a:latin typeface="+mn-lt"/>
+                <a:ea typeface="+mn-ea"/>
+                <a:cs typeface="+mn-cs"/>
+              </a:defRPr>
+            </a:lvl2pPr>
+            <a:lvl3pPr marL="914400" algn="l" defTabSz="914400" rtl="0" eaLnBrk="1" latinLnBrk="0" hangingPunct="1">
+              <a:defRPr sz="1800" kern="1200">
+                <a:solidFill>
+                  <a:schemeClr val="lt1"/>
+                </a:solidFill>
+                <a:latin typeface="+mn-lt"/>
+                <a:ea typeface="+mn-ea"/>
+                <a:cs typeface="+mn-cs"/>
+              </a:defRPr>
+            </a:lvl3pPr>
+            <a:lvl4pPr marL="1371600" algn="l" defTabSz="914400" rtl="0" eaLnBrk="1" latinLnBrk="0" hangingPunct="1">
+              <a:defRPr sz="1800" kern="1200">
+                <a:solidFill>
+                  <a:schemeClr val="lt1"/>
+                </a:solidFill>
+                <a:latin typeface="+mn-lt"/>
+                <a:ea typeface="+mn-ea"/>
+                <a:cs typeface="+mn-cs"/>
+              </a:defRPr>
+            </a:lvl4pPr>
+            <a:lvl5pPr marL="1828800" algn="l" defTabSz="914400" rtl="0" eaLnBrk="1" latinLnBrk="0" hangingPunct="1">
+              <a:defRPr sz="1800" kern="1200">
+                <a:solidFill>
+                  <a:schemeClr val="lt1"/>
+                </a:solidFill>
+                <a:latin typeface="+mn-lt"/>
+                <a:ea typeface="+mn-ea"/>
+                <a:cs typeface="+mn-cs"/>
+              </a:defRPr>
+            </a:lvl5pPr>
+            <a:lvl6pPr marL="2286000" algn="l" defTabSz="914400" rtl="0" eaLnBrk="1" latinLnBrk="0" hangingPunct="1">
+              <a:defRPr sz="1800" kern="1200">
+                <a:solidFill>
+                  <a:schemeClr val="lt1"/>
+                </a:solidFill>
+                <a:latin typeface="+mn-lt"/>
+                <a:ea typeface="+mn-ea"/>
+                <a:cs typeface="+mn-cs"/>
+              </a:defRPr>
+            </a:lvl6pPr>
+            <a:lvl7pPr marL="2743200" algn="l" defTabSz="914400" rtl="0" eaLnBrk="1" latinLnBrk="0" hangingPunct="1">
+              <a:defRPr sz="1800" kern="1200">
+                <a:solidFill>
+                  <a:schemeClr val="lt1"/>
+                </a:solidFill>
+                <a:latin typeface="+mn-lt"/>
+                <a:ea typeface="+mn-ea"/>
+                <a:cs typeface="+mn-cs"/>
+              </a:defRPr>
+            </a:lvl7pPr>
+            <a:lvl8pPr marL="3200400" algn="l" defTabSz="914400" rtl="0" eaLnBrk="1" latinLnBrk="0" hangingPunct="1">
+              <a:defRPr sz="1800" kern="1200">
+                <a:solidFill>
+                  <a:schemeClr val="lt1"/>
+                </a:solidFill>
+                <a:latin typeface="+mn-lt"/>
+                <a:ea typeface="+mn-ea"/>
+                <a:cs typeface="+mn-cs"/>
+              </a:defRPr>
+            </a:lvl8pPr>
+            <a:lvl9pPr marL="3657600" algn="l" defTabSz="914400" rtl="0" eaLnBrk="1" latinLnBrk="0" hangingPunct="1">
+              <a:defRPr sz="1800" kern="1200">
+                <a:solidFill>
+                  <a:schemeClr val="lt1"/>
+                </a:solidFill>
+                <a:latin typeface="+mn-lt"/>
+                <a:ea typeface="+mn-ea"/>
+                <a:cs typeface="+mn-cs"/>
+              </a:defRPr>
+            </a:lvl9pPr>
+          </a:lstStyle>
+          <a:p>
+            <a:pPr algn="ctr"/>
+            <a:endParaRPr lang="zh-CN" altLang="en-US">
+              <a:solidFill>
+                <a:sysClr val="windowText" lastClr="000000"/>
+              </a:solidFill>
+            </a:endParaRPr>
+          </a:p>
+        </p:txBody>
+      </p:sp>
+      <p:sp>
+        <p:nvSpPr>
+          <p:cNvPr id="37" name="矩形 13"/>
+          <p:cNvSpPr/>
+          <p:nvPr/>
+        </p:nvSpPr>
+        <p:spPr>
+          <a:xfrm>
+            <a:off x="1139822" y="3304189"/>
+            <a:ext cx="1120945" cy="409476"/>
+          </a:xfrm>
+          <a:prstGeom prst="rect">
+            <a:avLst/>
+          </a:prstGeom>
+          <a:solidFill>
+            <a:schemeClr val="bg1"/>
+          </a:solidFill>
+          <a:ln>
+            <a:solidFill>
+              <a:schemeClr val="tx1"/>
+            </a:solidFill>
+          </a:ln>
+        </p:spPr>
+        <p:style>
+          <a:lnRef idx="1">
+            <a:schemeClr val="accent3"/>
+          </a:lnRef>
+          <a:fillRef idx="2">
+            <a:schemeClr val="accent3"/>
+          </a:fillRef>
+          <a:effectRef idx="1">
+            <a:schemeClr val="accent3"/>
+          </a:effectRef>
+          <a:fontRef idx="minor">
+            <a:schemeClr val="dk1"/>
+          </a:fontRef>
+        </p:style>
+        <p:txBody>
+          <a:bodyPr rtlCol="0" anchor="ctr"/>
+          <a:lstStyle>
+            <a:defPPr>
+              <a:defRPr lang="en-US"/>
+            </a:defPPr>
+            <a:lvl1pPr marL="0" algn="l" defTabSz="914400" rtl="0" eaLnBrk="1" latinLnBrk="0" hangingPunct="1">
+              <a:defRPr sz="1800" kern="1200">
+                <a:solidFill>
+                  <a:schemeClr val="dk1"/>
+                </a:solidFill>
+                <a:latin typeface="+mn-lt"/>
+                <a:ea typeface="+mn-ea"/>
+                <a:cs typeface="+mn-cs"/>
+              </a:defRPr>
+            </a:lvl1pPr>
+            <a:lvl2pPr marL="457200" algn="l" defTabSz="914400" rtl="0" eaLnBrk="1" latinLnBrk="0" hangingPunct="1">
+              <a:defRPr sz="1800" kern="1200">
+                <a:solidFill>
+                  <a:schemeClr val="dk1"/>
+                </a:solidFill>
+                <a:latin typeface="+mn-lt"/>
+                <a:ea typeface="+mn-ea"/>
+                <a:cs typeface="+mn-cs"/>
+              </a:defRPr>
+            </a:lvl2pPr>
+            <a:lvl3pPr marL="914400" algn="l" defTabSz="914400" rtl="0" eaLnBrk="1" latinLnBrk="0" hangingPunct="1">
+              <a:defRPr sz="1800" kern="1200">
+                <a:solidFill>
+                  <a:schemeClr val="dk1"/>
+                </a:solidFill>
+                <a:latin typeface="+mn-lt"/>
+                <a:ea typeface="+mn-ea"/>
+                <a:cs typeface="+mn-cs"/>
+              </a:defRPr>
+            </a:lvl3pPr>
+            <a:lvl4pPr marL="1371600" algn="l" defTabSz="914400" rtl="0" eaLnBrk="1" latinLnBrk="0" hangingPunct="1">
+              <a:defRPr sz="1800" kern="1200">
+                <a:solidFill>
+                  <a:schemeClr val="dk1"/>
+                </a:solidFill>
+                <a:latin typeface="+mn-lt"/>
+                <a:ea typeface="+mn-ea"/>
+                <a:cs typeface="+mn-cs"/>
+              </a:defRPr>
+            </a:lvl4pPr>
+            <a:lvl5pPr marL="1828800" algn="l" defTabSz="914400" rtl="0" eaLnBrk="1" latinLnBrk="0" hangingPunct="1">
+              <a:defRPr sz="1800" kern="1200">
+                <a:solidFill>
+                  <a:schemeClr val="dk1"/>
+                </a:solidFill>
+                <a:latin typeface="+mn-lt"/>
+                <a:ea typeface="+mn-ea"/>
+                <a:cs typeface="+mn-cs"/>
+              </a:defRPr>
+            </a:lvl5pPr>
+            <a:lvl6pPr marL="2286000" algn="l" defTabSz="914400" rtl="0" eaLnBrk="1" latinLnBrk="0" hangingPunct="1">
+              <a:defRPr sz="1800" kern="1200">
+                <a:solidFill>
+                  <a:schemeClr val="dk1"/>
+                </a:solidFill>
+                <a:latin typeface="+mn-lt"/>
+                <a:ea typeface="+mn-ea"/>
+                <a:cs typeface="+mn-cs"/>
+              </a:defRPr>
+            </a:lvl6pPr>
+            <a:lvl7pPr marL="2743200" algn="l" defTabSz="914400" rtl="0" eaLnBrk="1" latinLnBrk="0" hangingPunct="1">
+              <a:defRPr sz="1800" kern="1200">
+                <a:solidFill>
+                  <a:schemeClr val="dk1"/>
+                </a:solidFill>
+                <a:latin typeface="+mn-lt"/>
+                <a:ea typeface="+mn-ea"/>
+                <a:cs typeface="+mn-cs"/>
+              </a:defRPr>
+            </a:lvl7pPr>
+            <a:lvl8pPr marL="3200400" algn="l" defTabSz="914400" rtl="0" eaLnBrk="1" latinLnBrk="0" hangingPunct="1">
+              <a:defRPr sz="1800" kern="1200">
+                <a:solidFill>
+                  <a:schemeClr val="dk1"/>
+                </a:solidFill>
+                <a:latin typeface="+mn-lt"/>
+                <a:ea typeface="+mn-ea"/>
+                <a:cs typeface="+mn-cs"/>
+              </a:defRPr>
+            </a:lvl8pPr>
+            <a:lvl9pPr marL="3657600" algn="l" defTabSz="914400" rtl="0" eaLnBrk="1" latinLnBrk="0" hangingPunct="1">
+              <a:defRPr sz="1800" kern="1200">
+                <a:solidFill>
+                  <a:schemeClr val="dk1"/>
+                </a:solidFill>
+                <a:latin typeface="+mn-lt"/>
+                <a:ea typeface="+mn-ea"/>
+                <a:cs typeface="+mn-cs"/>
+              </a:defRPr>
+            </a:lvl9pPr>
+          </a:lstStyle>
+          <a:p>
+            <a:pPr algn="ctr"/>
+            <a:r>
+              <a:rPr lang="zh-CN" altLang="en-US" dirty="0" smtClean="0">
+                <a:solidFill>
+                  <a:sysClr val="windowText" lastClr="000000"/>
+                </a:solidFill>
+              </a:rPr>
+              <a:t>修改建议</a:t>
+            </a:r>
+            <a:endParaRPr lang="zh-CN" altLang="en-US" dirty="0">
+              <a:solidFill>
+                <a:sysClr val="windowText" lastClr="000000"/>
+              </a:solidFill>
+            </a:endParaRPr>
+          </a:p>
+        </p:txBody>
+      </p:sp>
+    </p:spTree>
+    <p:extLst>
+      <p:ext uri="{BB962C8B-B14F-4D97-AF65-F5344CB8AC3E}">
+        <p14:creationId xmlns:p14="http://schemas.microsoft.com/office/powerpoint/2010/main" val="2736879678"/>
       </p:ext>
     </p:extLst>
   </p:cSld>
